--- a/results/Fig1and2_timeline.pptx
+++ b/results/Fig1and2_timeline.pptx
@@ -247,7 +247,7 @@
           <a:p>
             <a:fld id="{1D70F664-32DE-46B7-B014-797C719CCA64}" type="datetimeFigureOut">
               <a:rPr lang="en-US" smtClean="0"/>
-              <a:t>20-Dec-20</a:t>
+              <a:t>21-Dec-20</a:t>
             </a:fld>
             <a:endParaRPr lang="en-US"/>
           </a:p>
@@ -417,7 +417,7 @@
           <a:p>
             <a:fld id="{1D70F664-32DE-46B7-B014-797C719CCA64}" type="datetimeFigureOut">
               <a:rPr lang="en-US" smtClean="0"/>
-              <a:t>20-Dec-20</a:t>
+              <a:t>21-Dec-20</a:t>
             </a:fld>
             <a:endParaRPr lang="en-US"/>
           </a:p>
@@ -597,7 +597,7 @@
           <a:p>
             <a:fld id="{1D70F664-32DE-46B7-B014-797C719CCA64}" type="datetimeFigureOut">
               <a:rPr lang="en-US" smtClean="0"/>
-              <a:t>20-Dec-20</a:t>
+              <a:t>21-Dec-20</a:t>
             </a:fld>
             <a:endParaRPr lang="en-US"/>
           </a:p>
@@ -767,7 +767,7 @@
           <a:p>
             <a:fld id="{1D70F664-32DE-46B7-B014-797C719CCA64}" type="datetimeFigureOut">
               <a:rPr lang="en-US" smtClean="0"/>
-              <a:t>20-Dec-20</a:t>
+              <a:t>21-Dec-20</a:t>
             </a:fld>
             <a:endParaRPr lang="en-US"/>
           </a:p>
@@ -1013,7 +1013,7 @@
           <a:p>
             <a:fld id="{1D70F664-32DE-46B7-B014-797C719CCA64}" type="datetimeFigureOut">
               <a:rPr lang="en-US" smtClean="0"/>
-              <a:t>20-Dec-20</a:t>
+              <a:t>21-Dec-20</a:t>
             </a:fld>
             <a:endParaRPr lang="en-US"/>
           </a:p>
@@ -1245,7 +1245,7 @@
           <a:p>
             <a:fld id="{1D70F664-32DE-46B7-B014-797C719CCA64}" type="datetimeFigureOut">
               <a:rPr lang="en-US" smtClean="0"/>
-              <a:t>20-Dec-20</a:t>
+              <a:t>21-Dec-20</a:t>
             </a:fld>
             <a:endParaRPr lang="en-US"/>
           </a:p>
@@ -1612,7 +1612,7 @@
           <a:p>
             <a:fld id="{1D70F664-32DE-46B7-B014-797C719CCA64}" type="datetimeFigureOut">
               <a:rPr lang="en-US" smtClean="0"/>
-              <a:t>20-Dec-20</a:t>
+              <a:t>21-Dec-20</a:t>
             </a:fld>
             <a:endParaRPr lang="en-US"/>
           </a:p>
@@ -1730,7 +1730,7 @@
           <a:p>
             <a:fld id="{1D70F664-32DE-46B7-B014-797C719CCA64}" type="datetimeFigureOut">
               <a:rPr lang="en-US" smtClean="0"/>
-              <a:t>20-Dec-20</a:t>
+              <a:t>21-Dec-20</a:t>
             </a:fld>
             <a:endParaRPr lang="en-US"/>
           </a:p>
@@ -1825,7 +1825,7 @@
           <a:p>
             <a:fld id="{1D70F664-32DE-46B7-B014-797C719CCA64}" type="datetimeFigureOut">
               <a:rPr lang="en-US" smtClean="0"/>
-              <a:t>20-Dec-20</a:t>
+              <a:t>21-Dec-20</a:t>
             </a:fld>
             <a:endParaRPr lang="en-US"/>
           </a:p>
@@ -2102,7 +2102,7 @@
           <a:p>
             <a:fld id="{1D70F664-32DE-46B7-B014-797C719CCA64}" type="datetimeFigureOut">
               <a:rPr lang="en-US" smtClean="0"/>
-              <a:t>20-Dec-20</a:t>
+              <a:t>21-Dec-20</a:t>
             </a:fld>
             <a:endParaRPr lang="en-US"/>
           </a:p>
@@ -2355,7 +2355,7 @@
           <a:p>
             <a:fld id="{1D70F664-32DE-46B7-B014-797C719CCA64}" type="datetimeFigureOut">
               <a:rPr lang="en-US" smtClean="0"/>
-              <a:t>20-Dec-20</a:t>
+              <a:t>21-Dec-20</a:t>
             </a:fld>
             <a:endParaRPr lang="en-US"/>
           </a:p>
@@ -2568,7 +2568,7 @@
           <a:p>
             <a:fld id="{1D70F664-32DE-46B7-B014-797C719CCA64}" type="datetimeFigureOut">
               <a:rPr lang="en-US" smtClean="0"/>
-              <a:t>20-Dec-20</a:t>
+              <a:t>21-Dec-20</a:t>
             </a:fld>
             <a:endParaRPr lang="en-US"/>
           </a:p>
@@ -13622,8 +13622,8 @@
         </p:nvSpPr>
         <p:spPr>
           <a:xfrm>
-            <a:off x="2642461" y="4248696"/>
-            <a:ext cx="1166532" cy="338554"/>
+            <a:off x="2304027" y="4248696"/>
+            <a:ext cx="1504966" cy="338554"/>
           </a:xfrm>
           <a:prstGeom prst="rect">
             <a:avLst/>
@@ -13638,13 +13638,13 @@
           <a:p>
             <a:pPr algn="r"/>
             <a:r>
-              <a:rPr lang="en-US" sz="1600" dirty="0" smtClean="0">
+              <a:rPr lang="en-US" sz="1600" b="1" dirty="0" smtClean="0">
                 <a:latin typeface="Times New Roman" panose="02020603050405020304" pitchFamily="18" charset="0"/>
                 <a:cs typeface="Times New Roman" panose="02020603050405020304" pitchFamily="18" charset="0"/>
               </a:rPr>
-              <a:t>Expansion</a:t>
-            </a:r>
-            <a:endParaRPr lang="en-US" sz="1600" dirty="0">
+              <a:t>Main Analysis</a:t>
+            </a:r>
+            <a:endParaRPr lang="en-US" sz="1600" b="1" dirty="0">
               <a:latin typeface="Times New Roman" panose="02020603050405020304" pitchFamily="18" charset="0"/>
               <a:cs typeface="Times New Roman" panose="02020603050405020304" pitchFamily="18" charset="0"/>
             </a:endParaRPr>
@@ -16001,8 +16001,8 @@
         </p:nvSpPr>
         <p:spPr>
           <a:xfrm>
-            <a:off x="764983" y="4271116"/>
-            <a:ext cx="960100" cy="338554"/>
+            <a:off x="764982" y="4271116"/>
+            <a:ext cx="1287283" cy="338554"/>
           </a:xfrm>
           <a:prstGeom prst="rect">
             <a:avLst/>
@@ -16016,13 +16016,13 @@
           <a:lstStyle/>
           <a:p>
             <a:r>
-              <a:rPr lang="en-US" sz="1600" i="1" dirty="0" smtClean="0">
+              <a:rPr lang="en-US" sz="1600" b="1" i="1" dirty="0" smtClean="0">
                 <a:latin typeface="Times New Roman" panose="02020603050405020304" pitchFamily="18" charset="0"/>
                 <a:cs typeface="Times New Roman" panose="02020603050405020304" pitchFamily="18" charset="0"/>
               </a:rPr>
               <a:t>Phase III</a:t>
             </a:r>
-            <a:endParaRPr lang="en-US" sz="1600" i="1" dirty="0">
+            <a:endParaRPr lang="en-US" sz="1600" b="1" i="1" dirty="0">
               <a:latin typeface="Times New Roman" panose="02020603050405020304" pitchFamily="18" charset="0"/>
               <a:cs typeface="Times New Roman" panose="02020603050405020304" pitchFamily="18" charset="0"/>
             </a:endParaRPr>

--- a/results/Fig1and2_timeline.pptx
+++ b/results/Fig1and2_timeline.pptx
@@ -247,7 +247,7 @@
           <a:p>
             <a:fld id="{1D70F664-32DE-46B7-B014-797C719CCA64}" type="datetimeFigureOut">
               <a:rPr lang="en-US" smtClean="0"/>
-              <a:t>21-Dec-20</a:t>
+              <a:t>26-Dec-20</a:t>
             </a:fld>
             <a:endParaRPr lang="en-US"/>
           </a:p>
@@ -417,7 +417,7 @@
           <a:p>
             <a:fld id="{1D70F664-32DE-46B7-B014-797C719CCA64}" type="datetimeFigureOut">
               <a:rPr lang="en-US" smtClean="0"/>
-              <a:t>21-Dec-20</a:t>
+              <a:t>26-Dec-20</a:t>
             </a:fld>
             <a:endParaRPr lang="en-US"/>
           </a:p>
@@ -597,7 +597,7 @@
           <a:p>
             <a:fld id="{1D70F664-32DE-46B7-B014-797C719CCA64}" type="datetimeFigureOut">
               <a:rPr lang="en-US" smtClean="0"/>
-              <a:t>21-Dec-20</a:t>
+              <a:t>26-Dec-20</a:t>
             </a:fld>
             <a:endParaRPr lang="en-US"/>
           </a:p>
@@ -767,7 +767,7 @@
           <a:p>
             <a:fld id="{1D70F664-32DE-46B7-B014-797C719CCA64}" type="datetimeFigureOut">
               <a:rPr lang="en-US" smtClean="0"/>
-              <a:t>21-Dec-20</a:t>
+              <a:t>26-Dec-20</a:t>
             </a:fld>
             <a:endParaRPr lang="en-US"/>
           </a:p>
@@ -1013,7 +1013,7 @@
           <a:p>
             <a:fld id="{1D70F664-32DE-46B7-B014-797C719CCA64}" type="datetimeFigureOut">
               <a:rPr lang="en-US" smtClean="0"/>
-              <a:t>21-Dec-20</a:t>
+              <a:t>26-Dec-20</a:t>
             </a:fld>
             <a:endParaRPr lang="en-US"/>
           </a:p>
@@ -1245,7 +1245,7 @@
           <a:p>
             <a:fld id="{1D70F664-32DE-46B7-B014-797C719CCA64}" type="datetimeFigureOut">
               <a:rPr lang="en-US" smtClean="0"/>
-              <a:t>21-Dec-20</a:t>
+              <a:t>26-Dec-20</a:t>
             </a:fld>
             <a:endParaRPr lang="en-US"/>
           </a:p>
@@ -1612,7 +1612,7 @@
           <a:p>
             <a:fld id="{1D70F664-32DE-46B7-B014-797C719CCA64}" type="datetimeFigureOut">
               <a:rPr lang="en-US" smtClean="0"/>
-              <a:t>21-Dec-20</a:t>
+              <a:t>26-Dec-20</a:t>
             </a:fld>
             <a:endParaRPr lang="en-US"/>
           </a:p>
@@ -1730,7 +1730,7 @@
           <a:p>
             <a:fld id="{1D70F664-32DE-46B7-B014-797C719CCA64}" type="datetimeFigureOut">
               <a:rPr lang="en-US" smtClean="0"/>
-              <a:t>21-Dec-20</a:t>
+              <a:t>26-Dec-20</a:t>
             </a:fld>
             <a:endParaRPr lang="en-US"/>
           </a:p>
@@ -1825,7 +1825,7 @@
           <a:p>
             <a:fld id="{1D70F664-32DE-46B7-B014-797C719CCA64}" type="datetimeFigureOut">
               <a:rPr lang="en-US" smtClean="0"/>
-              <a:t>21-Dec-20</a:t>
+              <a:t>26-Dec-20</a:t>
             </a:fld>
             <a:endParaRPr lang="en-US"/>
           </a:p>
@@ -2102,7 +2102,7 @@
           <a:p>
             <a:fld id="{1D70F664-32DE-46B7-B014-797C719CCA64}" type="datetimeFigureOut">
               <a:rPr lang="en-US" smtClean="0"/>
-              <a:t>21-Dec-20</a:t>
+              <a:t>26-Dec-20</a:t>
             </a:fld>
             <a:endParaRPr lang="en-US"/>
           </a:p>
@@ -2355,7 +2355,7 @@
           <a:p>
             <a:fld id="{1D70F664-32DE-46B7-B014-797C719CCA64}" type="datetimeFigureOut">
               <a:rPr lang="en-US" smtClean="0"/>
-              <a:t>21-Dec-20</a:t>
+              <a:t>26-Dec-20</a:t>
             </a:fld>
             <a:endParaRPr lang="en-US"/>
           </a:p>
@@ -2568,7 +2568,7 @@
           <a:p>
             <a:fld id="{1D70F664-32DE-46B7-B014-797C719CCA64}" type="datetimeFigureOut">
               <a:rPr lang="en-US" smtClean="0"/>
-              <a:t>21-Dec-20</a:t>
+              <a:t>26-Dec-20</a:t>
             </a:fld>
             <a:endParaRPr lang="en-US"/>
           </a:p>
@@ -11273,8 +11273,8 @@
         </p:nvSpPr>
         <p:spPr>
           <a:xfrm>
-            <a:off x="1997990" y="3971922"/>
-            <a:ext cx="1418102" cy="338554"/>
+            <a:off x="1654183" y="4002624"/>
+            <a:ext cx="1761463" cy="338554"/>
           </a:xfrm>
           <a:prstGeom prst="rect">
             <a:avLst/>
@@ -11289,13 +11289,13 @@
           <a:p>
             <a:pPr algn="r"/>
             <a:r>
-              <a:rPr lang="en-US" sz="1600" dirty="0" smtClean="0">
+              <a:rPr lang="en-US" sz="1600" b="1" dirty="0" smtClean="0">
                 <a:latin typeface="Times New Roman" panose="02020603050405020304" pitchFamily="18" charset="0"/>
                 <a:cs typeface="Times New Roman" panose="02020603050405020304" pitchFamily="18" charset="0"/>
               </a:rPr>
-              <a:t>Expansion</a:t>
-            </a:r>
-            <a:endParaRPr lang="en-US" sz="1600" dirty="0">
+              <a:t>Main Analysis</a:t>
+            </a:r>
+            <a:endParaRPr lang="en-US" sz="1600" b="1" dirty="0">
               <a:latin typeface="Times New Roman" panose="02020603050405020304" pitchFamily="18" charset="0"/>
               <a:cs typeface="Times New Roman" panose="02020603050405020304" pitchFamily="18" charset="0"/>
             </a:endParaRPr>
@@ -11396,9 +11396,9 @@
         <p:grpSpPr>
           <a:xfrm>
             <a:off x="3432199" y="4615153"/>
-            <a:ext cx="3353959" cy="369332"/>
-            <a:chOff x="3435455" y="4001073"/>
-            <a:chExt cx="3353959" cy="369332"/>
+            <a:ext cx="3120507" cy="369332"/>
+            <a:chOff x="3435454" y="4001073"/>
+            <a:chExt cx="3353960" cy="369332"/>
           </a:xfrm>
         </p:grpSpPr>
         <p:sp>
@@ -11409,8 +11409,8 @@
           </p:nvSpPr>
           <p:spPr>
             <a:xfrm>
-              <a:off x="3435455" y="4001073"/>
-              <a:ext cx="3059160" cy="369332"/>
+              <a:off x="3435454" y="4001073"/>
+              <a:ext cx="3014474" cy="369332"/>
             </a:xfrm>
             <a:prstGeom prst="roundRect">
               <a:avLst/>
@@ -11555,7 +11555,7 @@
         <p:spPr>
           <a:xfrm>
             <a:off x="3698219" y="1645527"/>
-            <a:ext cx="548217" cy="276999"/>
+            <a:ext cx="548217" cy="307777"/>
           </a:xfrm>
           <a:prstGeom prst="rect">
             <a:avLst/>
@@ -11570,7 +11570,7 @@
           <a:p>
             <a:pPr algn="ctr"/>
             <a:r>
-              <a:rPr lang="en-US" sz="1200" dirty="0" smtClean="0">
+              <a:rPr lang="en-US" sz="1400" dirty="0" smtClean="0">
                 <a:latin typeface="Times New Roman" panose="02020603050405020304" pitchFamily="18" charset="0"/>
                 <a:cs typeface="Times New Roman" panose="02020603050405020304" pitchFamily="18" charset="0"/>
               </a:rPr>
@@ -11588,7 +11588,7 @@
         <p:spPr>
           <a:xfrm>
             <a:off x="4230671" y="1645527"/>
-            <a:ext cx="548217" cy="276999"/>
+            <a:ext cx="548217" cy="307777"/>
           </a:xfrm>
           <a:prstGeom prst="rect">
             <a:avLst/>
@@ -11604,7 +11604,7 @@
               <a:defRPr lang="en-US"/>
             </a:defPPr>
             <a:lvl1pPr algn="ctr">
-              <a:defRPr sz="1200">
+              <a:defRPr sz="1400">
                 <a:latin typeface="Times New Roman" panose="02020603050405020304" pitchFamily="18" charset="0"/>
                 <a:cs typeface="Times New Roman" panose="02020603050405020304" pitchFamily="18" charset="0"/>
               </a:defRPr>
@@ -11627,7 +11627,7 @@
         <p:spPr>
           <a:xfrm>
             <a:off x="4802317" y="1651482"/>
-            <a:ext cx="548217" cy="276999"/>
+            <a:ext cx="548217" cy="307777"/>
           </a:xfrm>
           <a:prstGeom prst="rect">
             <a:avLst/>
@@ -11642,7 +11642,7 @@
           <a:p>
             <a:pPr algn="ctr"/>
             <a:r>
-              <a:rPr lang="en-US" sz="1200" dirty="0">
+              <a:rPr lang="en-US" sz="1400" dirty="0">
                 <a:latin typeface="Times New Roman" panose="02020603050405020304" pitchFamily="18" charset="0"/>
                 <a:cs typeface="Times New Roman" panose="02020603050405020304" pitchFamily="18" charset="0"/>
               </a:rPr>
@@ -11660,7 +11660,7 @@
         <p:spPr>
           <a:xfrm>
             <a:off x="5314615" y="1650676"/>
-            <a:ext cx="548217" cy="276999"/>
+            <a:ext cx="548217" cy="307777"/>
           </a:xfrm>
           <a:prstGeom prst="rect">
             <a:avLst/>
@@ -11675,7 +11675,7 @@
           <a:p>
             <a:pPr algn="ctr"/>
             <a:r>
-              <a:rPr lang="en-US" sz="1200" dirty="0">
+              <a:rPr lang="en-US" sz="1400" dirty="0">
                 <a:latin typeface="Times New Roman" panose="02020603050405020304" pitchFamily="18" charset="0"/>
                 <a:cs typeface="Times New Roman" panose="02020603050405020304" pitchFamily="18" charset="0"/>
               </a:rPr>
@@ -11693,7 +11693,7 @@
         <p:spPr>
           <a:xfrm>
             <a:off x="5858506" y="1651482"/>
-            <a:ext cx="548217" cy="276999"/>
+            <a:ext cx="548217" cy="307777"/>
           </a:xfrm>
           <a:prstGeom prst="rect">
             <a:avLst/>
@@ -11708,7 +11708,7 @@
           <a:p>
             <a:pPr algn="ctr"/>
             <a:r>
-              <a:rPr lang="en-US" sz="1200" dirty="0">
+              <a:rPr lang="en-US" sz="1400" dirty="0">
                 <a:latin typeface="Times New Roman" panose="02020603050405020304" pitchFamily="18" charset="0"/>
                 <a:cs typeface="Times New Roman" panose="02020603050405020304" pitchFamily="18" charset="0"/>
               </a:rPr>
@@ -11726,7 +11726,7 @@
         <p:spPr>
           <a:xfrm>
             <a:off x="6401560" y="1652641"/>
-            <a:ext cx="548217" cy="276999"/>
+            <a:ext cx="548217" cy="307777"/>
           </a:xfrm>
           <a:prstGeom prst="rect">
             <a:avLst/>
@@ -11741,7 +11741,7 @@
           <a:p>
             <a:pPr algn="ctr"/>
             <a:r>
-              <a:rPr lang="en-US" sz="1200" dirty="0">
+              <a:rPr lang="en-US" sz="1400" dirty="0">
                 <a:latin typeface="Times New Roman" panose="02020603050405020304" pitchFamily="18" charset="0"/>
                 <a:cs typeface="Times New Roman" panose="02020603050405020304" pitchFamily="18" charset="0"/>
               </a:rPr>
@@ -11759,7 +11759,7 @@
         <p:spPr>
           <a:xfrm>
             <a:off x="8571427" y="1646358"/>
-            <a:ext cx="548217" cy="276999"/>
+            <a:ext cx="548217" cy="307777"/>
           </a:xfrm>
           <a:prstGeom prst="rect">
             <a:avLst/>
@@ -11774,7 +11774,7 @@
           <a:p>
             <a:pPr algn="ctr"/>
             <a:r>
-              <a:rPr lang="en-US" sz="1200" dirty="0">
+              <a:rPr lang="en-US" sz="1400" dirty="0">
                 <a:latin typeface="Times New Roman" panose="02020603050405020304" pitchFamily="18" charset="0"/>
                 <a:cs typeface="Times New Roman" panose="02020603050405020304" pitchFamily="18" charset="0"/>
               </a:rPr>
@@ -11829,7 +11829,7 @@
         <p:spPr>
           <a:xfrm>
             <a:off x="9110064" y="1638329"/>
-            <a:ext cx="548217" cy="276999"/>
+            <a:ext cx="548217" cy="307777"/>
           </a:xfrm>
           <a:prstGeom prst="rect">
             <a:avLst/>
@@ -11844,7 +11844,7 @@
           <a:p>
             <a:pPr algn="ctr"/>
             <a:r>
-              <a:rPr lang="en-US" sz="1200" dirty="0">
+              <a:rPr lang="en-US" sz="1400" dirty="0">
                 <a:latin typeface="Times New Roman" panose="02020603050405020304" pitchFamily="18" charset="0"/>
                 <a:cs typeface="Times New Roman" panose="02020603050405020304" pitchFamily="18" charset="0"/>
               </a:rPr>
@@ -11862,7 +11862,7 @@
         <p:spPr>
           <a:xfrm>
             <a:off x="8032881" y="1650881"/>
-            <a:ext cx="548217" cy="276999"/>
+            <a:ext cx="548217" cy="307777"/>
           </a:xfrm>
           <a:prstGeom prst="rect">
             <a:avLst/>
@@ -11877,7 +11877,7 @@
           <a:p>
             <a:pPr algn="ctr"/>
             <a:r>
-              <a:rPr lang="en-US" sz="1200" dirty="0">
+              <a:rPr lang="en-US" sz="1400" dirty="0">
                 <a:latin typeface="Times New Roman" panose="02020603050405020304" pitchFamily="18" charset="0"/>
                 <a:cs typeface="Times New Roman" panose="02020603050405020304" pitchFamily="18" charset="0"/>
               </a:rPr>
@@ -11895,7 +11895,7 @@
         <p:spPr>
           <a:xfrm>
             <a:off x="7494244" y="1656408"/>
-            <a:ext cx="548217" cy="276999"/>
+            <a:ext cx="548217" cy="307777"/>
           </a:xfrm>
           <a:prstGeom prst="rect">
             <a:avLst/>
@@ -11910,7 +11910,7 @@
           <a:p>
             <a:pPr algn="ctr"/>
             <a:r>
-              <a:rPr lang="en-US" sz="1200" dirty="0">
+              <a:rPr lang="en-US" sz="1400" dirty="0">
                 <a:latin typeface="Times New Roman" panose="02020603050405020304" pitchFamily="18" charset="0"/>
                 <a:cs typeface="Times New Roman" panose="02020603050405020304" pitchFamily="18" charset="0"/>
               </a:rPr>
@@ -11928,7 +11928,7 @@
         <p:spPr>
           <a:xfrm>
             <a:off x="6952142" y="1651199"/>
-            <a:ext cx="548217" cy="276999"/>
+            <a:ext cx="548217" cy="307777"/>
           </a:xfrm>
           <a:prstGeom prst="rect">
             <a:avLst/>
@@ -11943,7 +11943,7 @@
           <a:p>
             <a:pPr algn="ctr"/>
             <a:r>
-              <a:rPr lang="en-US" sz="1200" dirty="0">
+              <a:rPr lang="en-US" sz="1400" dirty="0">
                 <a:latin typeface="Times New Roman" panose="02020603050405020304" pitchFamily="18" charset="0"/>
                 <a:cs typeface="Times New Roman" panose="02020603050405020304" pitchFamily="18" charset="0"/>
               </a:rPr>
@@ -11961,7 +11961,7 @@
         <p:spPr>
           <a:xfrm>
             <a:off x="5667548" y="1429549"/>
-            <a:ext cx="1645786" cy="276999"/>
+            <a:ext cx="1645786" cy="307777"/>
           </a:xfrm>
           <a:prstGeom prst="rect">
             <a:avLst/>
@@ -11976,13 +11976,13 @@
           <a:p>
             <a:pPr algn="ctr"/>
             <a:r>
-              <a:rPr lang="en-US" sz="1200" dirty="0" smtClean="0">
+              <a:rPr lang="en-US" sz="1400" dirty="0" smtClean="0">
                 <a:latin typeface="Times New Roman" panose="02020603050405020304" pitchFamily="18" charset="0"/>
                 <a:cs typeface="Times New Roman" panose="02020603050405020304" pitchFamily="18" charset="0"/>
               </a:rPr>
               <a:t>Number of Teams</a:t>
             </a:r>
-            <a:endParaRPr lang="en-US" sz="1200" dirty="0">
+            <a:endParaRPr lang="en-US" sz="1400" dirty="0">
               <a:latin typeface="Times New Roman" panose="02020603050405020304" pitchFamily="18" charset="0"/>
               <a:cs typeface="Times New Roman" panose="02020603050405020304" pitchFamily="18" charset="0"/>
             </a:endParaRPr>
@@ -12036,7 +12036,7 @@
         <p:spPr>
           <a:xfrm>
             <a:off x="9619849" y="1638329"/>
-            <a:ext cx="548217" cy="276999"/>
+            <a:ext cx="548217" cy="307777"/>
           </a:xfrm>
           <a:prstGeom prst="rect">
             <a:avLst/>
@@ -12051,7 +12051,7 @@
           <a:p>
             <a:pPr algn="ctr"/>
             <a:r>
-              <a:rPr lang="en-US" sz="1200" dirty="0">
+              <a:rPr lang="en-US" sz="1400" dirty="0">
                 <a:latin typeface="Times New Roman" panose="02020603050405020304" pitchFamily="18" charset="0"/>
                 <a:cs typeface="Times New Roman" panose="02020603050405020304" pitchFamily="18" charset="0"/>
               </a:rPr>
@@ -12069,7 +12069,7 @@
         <p:spPr>
           <a:xfrm>
             <a:off x="10340340" y="1475803"/>
-            <a:ext cx="1114671" cy="461665"/>
+            <a:ext cx="1114671" cy="523220"/>
           </a:xfrm>
           <a:prstGeom prst="rect">
             <a:avLst/>
@@ -12084,7 +12084,7 @@
           <a:p>
             <a:pPr algn="ctr"/>
             <a:r>
-              <a:rPr lang="en-US" sz="1200" dirty="0" smtClean="0">
+              <a:rPr lang="en-US" sz="1400" dirty="0" smtClean="0">
                 <a:latin typeface="Times New Roman" panose="02020603050405020304" pitchFamily="18" charset="0"/>
                 <a:cs typeface="Times New Roman" panose="02020603050405020304" pitchFamily="18" charset="0"/>
               </a:rPr>
@@ -12094,13 +12094,13 @@
           <a:p>
             <a:pPr algn="ctr"/>
             <a:r>
-              <a:rPr lang="en-US" sz="1200" dirty="0" smtClean="0">
+              <a:rPr lang="en-US" sz="1400" dirty="0" smtClean="0">
                 <a:latin typeface="Times New Roman" panose="02020603050405020304" pitchFamily="18" charset="0"/>
                 <a:cs typeface="Times New Roman" panose="02020603050405020304" pitchFamily="18" charset="0"/>
               </a:rPr>
               <a:t>Researchers</a:t>
             </a:r>
-            <a:endParaRPr lang="en-US" sz="1200" dirty="0">
+            <a:endParaRPr lang="en-US" sz="1400" dirty="0">
               <a:latin typeface="Times New Roman" panose="02020603050405020304" pitchFamily="18" charset="0"/>
               <a:cs typeface="Times New Roman" panose="02020603050405020304" pitchFamily="18" charset="0"/>
             </a:endParaRPr>
@@ -12332,7 +12332,7 @@
                 <a:latin typeface="Times New Roman" panose="02020603050405020304" pitchFamily="18" charset="0"/>
                 <a:cs typeface="Times New Roman" panose="02020603050405020304" pitchFamily="18" charset="0"/>
               </a:rPr>
-              <a:t>163</a:t>
+              <a:t>161</a:t>
             </a:r>
             <a:endParaRPr lang="en-US" sz="1600" dirty="0">
               <a:latin typeface="Times New Roman" panose="02020603050405020304" pitchFamily="18" charset="0"/>
@@ -12349,8 +12349,8 @@
         </p:nvSpPr>
         <p:spPr>
           <a:xfrm>
-            <a:off x="3438653" y="4000366"/>
-            <a:ext cx="3347505" cy="360448"/>
+            <a:off x="3438654" y="4000366"/>
+            <a:ext cx="3114052" cy="360448"/>
           </a:xfrm>
           <a:prstGeom prst="roundRect">
             <a:avLst/>
@@ -12443,7 +12443,7 @@
         <p:spPr>
           <a:xfrm>
             <a:off x="1019175" y="5145895"/>
-            <a:ext cx="6867117" cy="276999"/>
+            <a:ext cx="7471682" cy="276999"/>
           </a:xfrm>
           <a:prstGeom prst="rect">
             <a:avLst/>
@@ -12480,7 +12480,7 @@
                 <a:latin typeface="Times New Roman" panose="02020603050405020304" pitchFamily="18" charset="0"/>
                 <a:cs typeface="Times New Roman" panose="02020603050405020304" pitchFamily="18" charset="0"/>
               </a:rPr>
-              <a:t>‘Full Participation’ required completion of the Replication and Expansion, not necessarily the Deliberation</a:t>
+              <a:t>‘Full Participation’ required completion of the Replication and Main Analysis, not necessarily the Deliberation</a:t>
             </a:r>
             <a:endParaRPr lang="en-US" sz="1200" dirty="0">
               <a:solidFill>
@@ -12525,6 +12525,44 @@
           <a:chExt cx="0" cy="0"/>
         </a:xfrm>
       </p:grpSpPr>
+      <p:cxnSp>
+        <p:nvCxnSpPr>
+          <p:cNvPr id="12" name="Straight Connector 11"/>
+          <p:cNvCxnSpPr/>
+          <p:nvPr/>
+        </p:nvCxnSpPr>
+        <p:spPr>
+          <a:xfrm>
+            <a:off x="762000" y="1000621"/>
+            <a:ext cx="10078720" cy="0"/>
+          </a:xfrm>
+          <a:prstGeom prst="line">
+            <a:avLst/>
+          </a:prstGeom>
+          <a:ln w="19050">
+            <a:solidFill>
+              <a:schemeClr val="bg1">
+                <a:lumMod val="65000"/>
+              </a:schemeClr>
+            </a:solidFill>
+            <a:prstDash val="solid"/>
+          </a:ln>
+        </p:spPr>
+        <p:style>
+          <a:lnRef idx="1">
+            <a:schemeClr val="accent1"/>
+          </a:lnRef>
+          <a:fillRef idx="0">
+            <a:schemeClr val="accent1"/>
+          </a:fillRef>
+          <a:effectRef idx="0">
+            <a:schemeClr val="accent1"/>
+          </a:effectRef>
+          <a:fontRef idx="minor">
+            <a:schemeClr val="tx1"/>
+          </a:fontRef>
+        </p:style>
+      </p:cxnSp>
       <p:sp>
         <p:nvSpPr>
           <p:cNvPr id="104" name="Rounded Rectangle 103"/>
@@ -12647,8 +12685,9 @@
             <a:r>
               <a:rPr lang="en-US" sz="1200" dirty="0" smtClean="0">
                 <a:solidFill>
-                  <a:schemeClr val="bg1">
-                    <a:lumMod val="50000"/>
+                  <a:schemeClr val="tx1">
+                    <a:lumMod val="65000"/>
+                    <a:lumOff val="35000"/>
                   </a:schemeClr>
                 </a:solidFill>
                 <a:latin typeface="Times New Roman" panose="02020603050405020304" pitchFamily="18" charset="0"/>
@@ -12927,44 +12966,6 @@
       </p:cxnSp>
       <p:cxnSp>
         <p:nvCxnSpPr>
-          <p:cNvPr id="12" name="Straight Connector 11"/>
-          <p:cNvCxnSpPr/>
-          <p:nvPr/>
-        </p:nvCxnSpPr>
-        <p:spPr>
-          <a:xfrm>
-            <a:off x="762000" y="978849"/>
-            <a:ext cx="10078720" cy="0"/>
-          </a:xfrm>
-          <a:prstGeom prst="line">
-            <a:avLst/>
-          </a:prstGeom>
-          <a:ln w="19050">
-            <a:solidFill>
-              <a:schemeClr val="bg1">
-                <a:lumMod val="65000"/>
-              </a:schemeClr>
-            </a:solidFill>
-            <a:prstDash val="solid"/>
-          </a:ln>
-        </p:spPr>
-        <p:style>
-          <a:lnRef idx="1">
-            <a:schemeClr val="accent1"/>
-          </a:lnRef>
-          <a:fillRef idx="0">
-            <a:schemeClr val="accent1"/>
-          </a:fillRef>
-          <a:effectRef idx="0">
-            <a:schemeClr val="accent1"/>
-          </a:effectRef>
-          <a:fontRef idx="minor">
-            <a:schemeClr val="tx1"/>
-          </a:fontRef>
-        </p:style>
-      </p:cxnSp>
-      <p:cxnSp>
-        <p:nvCxnSpPr>
           <p:cNvPr id="16" name="Straight Connector 15"/>
           <p:cNvCxnSpPr/>
           <p:nvPr/>
@@ -13575,7 +13576,7 @@
         </p:nvSpPr>
         <p:spPr>
           <a:xfrm>
-            <a:off x="1573078" y="3490848"/>
+            <a:off x="1585424" y="3512252"/>
             <a:ext cx="2230468" cy="584775"/>
           </a:xfrm>
           <a:prstGeom prst="rect">
@@ -13591,7 +13592,7 @@
           <a:p>
             <a:pPr algn="r"/>
             <a:r>
-              <a:rPr lang="en-US" sz="1600" dirty="0" smtClean="0">
+              <a:rPr lang="en-US" sz="1600" b="1" dirty="0" smtClean="0">
                 <a:latin typeface="Times New Roman" panose="02020603050405020304" pitchFamily="18" charset="0"/>
                 <a:cs typeface="Times New Roman" panose="02020603050405020304" pitchFamily="18" charset="0"/>
               </a:rPr>
@@ -13601,13 +13602,13 @@
           <a:p>
             <a:pPr algn="r"/>
             <a:r>
-              <a:rPr lang="en-US" sz="1600" dirty="0" smtClean="0">
+              <a:rPr lang="en-US" sz="1600" b="1" dirty="0" smtClean="0">
                 <a:latin typeface="Times New Roman" panose="02020603050405020304" pitchFamily="18" charset="0"/>
                 <a:cs typeface="Times New Roman" panose="02020603050405020304" pitchFamily="18" charset="0"/>
               </a:rPr>
-              <a:t>Deliberation Experiment </a:t>
-            </a:r>
-            <a:endParaRPr lang="en-US" sz="1600" dirty="0">
+              <a:t>Pre Deliberation</a:t>
+            </a:r>
+            <a:endParaRPr lang="en-US" sz="1600" b="1" dirty="0">
               <a:latin typeface="Times New Roman" panose="02020603050405020304" pitchFamily="18" charset="0"/>
               <a:cs typeface="Times New Roman" panose="02020603050405020304" pitchFamily="18" charset="0"/>
             </a:endParaRPr>
@@ -14826,8 +14827,9 @@
             <a:r>
               <a:rPr lang="en-US" sz="1200" dirty="0" smtClean="0">
                 <a:solidFill>
-                  <a:schemeClr val="bg1">
-                    <a:lumMod val="50000"/>
+                  <a:schemeClr val="tx1">
+                    <a:lumMod val="65000"/>
+                    <a:lumOff val="35000"/>
                   </a:schemeClr>
                 </a:solidFill>
                 <a:latin typeface="Times New Roman" panose="02020603050405020304" pitchFamily="18" charset="0"/>
@@ -14864,8 +14866,9 @@
             <a:r>
               <a:rPr lang="en-US" sz="1200" dirty="0" smtClean="0">
                 <a:solidFill>
-                  <a:schemeClr val="bg1">
-                    <a:lumMod val="50000"/>
+                  <a:schemeClr val="tx1">
+                    <a:lumMod val="65000"/>
+                    <a:lumOff val="35000"/>
                   </a:schemeClr>
                 </a:solidFill>
                 <a:latin typeface="Times New Roman" panose="02020603050405020304" pitchFamily="18" charset="0"/>
@@ -14902,8 +14905,9 @@
             <a:r>
               <a:rPr lang="en-US" sz="1200" dirty="0" smtClean="0">
                 <a:solidFill>
-                  <a:schemeClr val="bg1">
-                    <a:lumMod val="50000"/>
+                  <a:schemeClr val="tx1">
+                    <a:lumMod val="65000"/>
+                    <a:lumOff val="35000"/>
                   </a:schemeClr>
                 </a:solidFill>
                 <a:latin typeface="Times New Roman" panose="02020603050405020304" pitchFamily="18" charset="0"/>
@@ -14940,8 +14944,9 @@
             <a:r>
               <a:rPr lang="en-US" sz="1200" dirty="0" smtClean="0">
                 <a:solidFill>
-                  <a:schemeClr val="bg1">
-                    <a:lumMod val="50000"/>
+                  <a:schemeClr val="tx1">
+                    <a:lumMod val="65000"/>
+                    <a:lumOff val="35000"/>
                   </a:schemeClr>
                 </a:solidFill>
                 <a:latin typeface="Times New Roman" panose="02020603050405020304" pitchFamily="18" charset="0"/>
@@ -14978,8 +14983,9 @@
             <a:r>
               <a:rPr lang="en-US" sz="1200" dirty="0" smtClean="0">
                 <a:solidFill>
-                  <a:schemeClr val="bg1">
-                    <a:lumMod val="50000"/>
+                  <a:schemeClr val="tx1">
+                    <a:lumMod val="65000"/>
+                    <a:lumOff val="35000"/>
                   </a:schemeClr>
                 </a:solidFill>
                 <a:latin typeface="Times New Roman" panose="02020603050405020304" pitchFamily="18" charset="0"/>
@@ -15016,8 +15022,9 @@
             <a:r>
               <a:rPr lang="en-US" sz="1200" dirty="0" smtClean="0">
                 <a:solidFill>
-                  <a:schemeClr val="bg1">
-                    <a:lumMod val="50000"/>
+                  <a:schemeClr val="tx1">
+                    <a:lumMod val="65000"/>
+                    <a:lumOff val="35000"/>
                   </a:schemeClr>
                 </a:solidFill>
                 <a:latin typeface="Times New Roman" panose="02020603050405020304" pitchFamily="18" charset="0"/>
@@ -15054,8 +15061,9 @@
             <a:r>
               <a:rPr lang="en-US" sz="1200" dirty="0" smtClean="0">
                 <a:solidFill>
-                  <a:schemeClr val="bg1">
-                    <a:lumMod val="50000"/>
+                  <a:schemeClr val="tx1">
+                    <a:lumMod val="65000"/>
+                    <a:lumOff val="35000"/>
                   </a:schemeClr>
                 </a:solidFill>
                 <a:latin typeface="Times New Roman" panose="02020603050405020304" pitchFamily="18" charset="0"/>
@@ -15092,8 +15100,9 @@
             <a:r>
               <a:rPr lang="en-US" sz="1200" dirty="0" smtClean="0">
                 <a:solidFill>
-                  <a:schemeClr val="bg1">
-                    <a:lumMod val="50000"/>
+                  <a:schemeClr val="tx1">
+                    <a:lumMod val="65000"/>
+                    <a:lumOff val="35000"/>
                   </a:schemeClr>
                 </a:solidFill>
                 <a:latin typeface="Times New Roman" panose="02020603050405020304" pitchFamily="18" charset="0"/>
@@ -15130,8 +15139,9 @@
             <a:r>
               <a:rPr lang="en-US" sz="1200" dirty="0" smtClean="0">
                 <a:solidFill>
-                  <a:schemeClr val="bg1">
-                    <a:lumMod val="50000"/>
+                  <a:schemeClr val="tx1">
+                    <a:lumMod val="65000"/>
+                    <a:lumOff val="35000"/>
                   </a:schemeClr>
                 </a:solidFill>
                 <a:latin typeface="Times New Roman" panose="02020603050405020304" pitchFamily="18" charset="0"/>
@@ -15168,8 +15178,9 @@
             <a:r>
               <a:rPr lang="en-US" sz="1200" dirty="0" smtClean="0">
                 <a:solidFill>
-                  <a:schemeClr val="bg1">
-                    <a:lumMod val="50000"/>
+                  <a:schemeClr val="tx1">
+                    <a:lumMod val="65000"/>
+                    <a:lumOff val="35000"/>
                   </a:schemeClr>
                 </a:solidFill>
                 <a:latin typeface="Times New Roman" panose="02020603050405020304" pitchFamily="18" charset="0"/>
@@ -15206,8 +15217,9 @@
             <a:r>
               <a:rPr lang="en-US" sz="1200" dirty="0" smtClean="0">
                 <a:solidFill>
-                  <a:schemeClr val="bg1">
-                    <a:lumMod val="50000"/>
+                  <a:schemeClr val="tx1">
+                    <a:lumMod val="65000"/>
+                    <a:lumOff val="35000"/>
                   </a:schemeClr>
                 </a:solidFill>
                 <a:latin typeface="Times New Roman" panose="02020603050405020304" pitchFamily="18" charset="0"/>
@@ -15227,7 +15239,7 @@
         <p:spPr>
           <a:xfrm>
             <a:off x="9486019" y="572918"/>
-            <a:ext cx="548217" cy="276999"/>
+            <a:ext cx="548217" cy="307777"/>
           </a:xfrm>
           <a:prstGeom prst="rect">
             <a:avLst/>
@@ -15242,12 +15254,7 @@
           <a:p>
             <a:pPr algn="ctr"/>
             <a:r>
-              <a:rPr lang="en-US" sz="1200" dirty="0" smtClean="0">
-                <a:solidFill>
-                  <a:schemeClr val="bg1">
-                    <a:lumMod val="50000"/>
-                  </a:schemeClr>
-                </a:solidFill>
+              <a:rPr lang="en-US" sz="1400" dirty="0" smtClean="0">
                 <a:latin typeface="Times New Roman" panose="02020603050405020304" pitchFamily="18" charset="0"/>
                 <a:cs typeface="Times New Roman" panose="02020603050405020304" pitchFamily="18" charset="0"/>
               </a:rPr>
@@ -15265,7 +15272,7 @@
         <p:spPr>
           <a:xfrm>
             <a:off x="6260226" y="568395"/>
-            <a:ext cx="548217" cy="276999"/>
+            <a:ext cx="548217" cy="307777"/>
           </a:xfrm>
           <a:prstGeom prst="rect">
             <a:avLst/>
@@ -15280,12 +15287,7 @@
           <a:p>
             <a:pPr algn="ctr"/>
             <a:r>
-              <a:rPr lang="en-US" sz="1200" dirty="0" smtClean="0">
-                <a:solidFill>
-                  <a:schemeClr val="bg1">
-                    <a:lumMod val="50000"/>
-                  </a:schemeClr>
-                </a:solidFill>
+              <a:rPr lang="en-US" sz="1400" dirty="0" smtClean="0">
                 <a:latin typeface="Times New Roman" panose="02020603050405020304" pitchFamily="18" charset="0"/>
                 <a:cs typeface="Times New Roman" panose="02020603050405020304" pitchFamily="18" charset="0"/>
               </a:rPr>
@@ -15980,13 +15982,13 @@
           <a:lstStyle/>
           <a:p>
             <a:r>
-              <a:rPr lang="en-US" sz="1600" i="1" dirty="0" smtClean="0">
+              <a:rPr lang="en-US" sz="1600" b="1" i="1" dirty="0" smtClean="0">
                 <a:latin typeface="Times New Roman" panose="02020603050405020304" pitchFamily="18" charset="0"/>
                 <a:cs typeface="Times New Roman" panose="02020603050405020304" pitchFamily="18" charset="0"/>
               </a:rPr>
               <a:t>Phase II</a:t>
             </a:r>
-            <a:endParaRPr lang="en-US" sz="1600" i="1" dirty="0">
+            <a:endParaRPr lang="en-US" sz="1600" b="1" i="1" dirty="0">
               <a:latin typeface="Times New Roman" panose="02020603050405020304" pitchFamily="18" charset="0"/>
               <a:cs typeface="Times New Roman" panose="02020603050405020304" pitchFamily="18" charset="0"/>
             </a:endParaRPr>
@@ -16309,8 +16311,9 @@
             <a:r>
               <a:rPr lang="en-US" sz="1200" dirty="0" smtClean="0">
                 <a:solidFill>
-                  <a:schemeClr val="bg1">
-                    <a:lumMod val="50000"/>
+                  <a:schemeClr val="tx1">
+                    <a:lumMod val="65000"/>
+                    <a:lumOff val="35000"/>
                   </a:schemeClr>
                 </a:solidFill>
                 <a:latin typeface="Times New Roman" panose="02020603050405020304" pitchFamily="18" charset="0"/>
@@ -16771,7 +16774,7 @@
         <p:spPr>
           <a:xfrm>
             <a:off x="10332430" y="572066"/>
-            <a:ext cx="548217" cy="276999"/>
+            <a:ext cx="548217" cy="307777"/>
           </a:xfrm>
           <a:prstGeom prst="rect">
             <a:avLst/>
@@ -16786,12 +16789,7 @@
           <a:p>
             <a:pPr algn="ctr"/>
             <a:r>
-              <a:rPr lang="en-US" sz="1200" dirty="0" smtClean="0">
-                <a:solidFill>
-                  <a:schemeClr val="bg1">
-                    <a:lumMod val="50000"/>
-                  </a:schemeClr>
-                </a:solidFill>
+              <a:rPr lang="en-US" sz="1400" dirty="0" smtClean="0">
                 <a:latin typeface="Times New Roman" panose="02020603050405020304" pitchFamily="18" charset="0"/>
                 <a:cs typeface="Times New Roman" panose="02020603050405020304" pitchFamily="18" charset="0"/>
               </a:rPr>
@@ -16884,282 +16882,6 @@
           <a:p>
             <a:pPr algn="ctr"/>
             <a:endParaRPr lang="en-US" dirty="0"/>
-          </a:p>
-        </p:txBody>
-      </p:sp>
-      <p:sp>
-        <p:nvSpPr>
-          <p:cNvPr id="139" name="Isosceles Triangle 138"/>
-          <p:cNvSpPr/>
-          <p:nvPr/>
-        </p:nvSpPr>
-        <p:spPr>
-          <a:xfrm>
-            <a:off x="5888201" y="3310845"/>
-            <a:ext cx="114300" cy="113074"/>
-          </a:xfrm>
-          <a:prstGeom prst="triangle">
-            <a:avLst/>
-          </a:prstGeom>
-          <a:solidFill>
-            <a:schemeClr val="bg1">
-              <a:lumMod val="50000"/>
-            </a:schemeClr>
-          </a:solidFill>
-          <a:ln>
-            <a:solidFill>
-              <a:schemeClr val="bg1">
-                <a:lumMod val="50000"/>
-              </a:schemeClr>
-            </a:solidFill>
-          </a:ln>
-        </p:spPr>
-        <p:style>
-          <a:lnRef idx="2">
-            <a:schemeClr val="accent1">
-              <a:shade val="50000"/>
-            </a:schemeClr>
-          </a:lnRef>
-          <a:fillRef idx="1">
-            <a:schemeClr val="accent1"/>
-          </a:fillRef>
-          <a:effectRef idx="0">
-            <a:schemeClr val="accent1"/>
-          </a:effectRef>
-          <a:fontRef idx="minor">
-            <a:schemeClr val="lt1"/>
-          </a:fontRef>
-        </p:style>
-        <p:txBody>
-          <a:bodyPr rtlCol="0" anchor="ctr"/>
-          <a:lstStyle/>
-          <a:p>
-            <a:pPr algn="ctr"/>
-            <a:endParaRPr lang="en-US"/>
-          </a:p>
-        </p:txBody>
-      </p:sp>
-      <p:sp>
-        <p:nvSpPr>
-          <p:cNvPr id="140" name="TextBox 139"/>
-          <p:cNvSpPr txBox="1"/>
-          <p:nvPr/>
-        </p:nvSpPr>
-        <p:spPr>
-          <a:xfrm>
-            <a:off x="5397639" y="3400203"/>
-            <a:ext cx="1106987" cy="400110"/>
-          </a:xfrm>
-          <a:prstGeom prst="rect">
-            <a:avLst/>
-          </a:prstGeom>
-          <a:noFill/>
-        </p:spPr>
-        <p:txBody>
-          <a:bodyPr wrap="square" rtlCol="0">
-            <a:spAutoFit/>
-          </a:bodyPr>
-          <a:lstStyle/>
-          <a:p>
-            <a:pPr algn="ctr"/>
-            <a:r>
-              <a:rPr lang="en-US" sz="1000" dirty="0" smtClean="0">
-                <a:solidFill>
-                  <a:schemeClr val="tx1">
-                    <a:lumMod val="65000"/>
-                    <a:lumOff val="35000"/>
-                  </a:schemeClr>
-                </a:solidFill>
-                <a:latin typeface="Times New Roman" panose="02020603050405020304" pitchFamily="18" charset="0"/>
-                <a:cs typeface="Times New Roman" panose="02020603050405020304" pitchFamily="18" charset="0"/>
-              </a:rPr>
-              <a:t>Original authors </a:t>
-            </a:r>
-          </a:p>
-          <a:p>
-            <a:pPr algn="ctr"/>
-            <a:r>
-              <a:rPr lang="en-US" sz="1000" dirty="0" smtClean="0">
-                <a:solidFill>
-                  <a:schemeClr val="tx1">
-                    <a:lumMod val="65000"/>
-                    <a:lumOff val="35000"/>
-                  </a:schemeClr>
-                </a:solidFill>
-                <a:latin typeface="Times New Roman" panose="02020603050405020304" pitchFamily="18" charset="0"/>
-                <a:cs typeface="Times New Roman" panose="02020603050405020304" pitchFamily="18" charset="0"/>
-              </a:rPr>
-              <a:t>informed</a:t>
-            </a:r>
-            <a:endParaRPr lang="en-US" sz="1000" dirty="0">
-              <a:solidFill>
-                <a:schemeClr val="tx1">
-                  <a:lumMod val="65000"/>
-                  <a:lumOff val="35000"/>
-                </a:schemeClr>
-              </a:solidFill>
-              <a:latin typeface="Times New Roman" panose="02020603050405020304" pitchFamily="18" charset="0"/>
-              <a:cs typeface="Times New Roman" panose="02020603050405020304" pitchFamily="18" charset="0"/>
-            </a:endParaRPr>
-          </a:p>
-        </p:txBody>
-      </p:sp>
-      <p:sp>
-        <p:nvSpPr>
-          <p:cNvPr id="141" name="Isosceles Triangle 140"/>
-          <p:cNvSpPr/>
-          <p:nvPr/>
-        </p:nvSpPr>
-        <p:spPr>
-          <a:xfrm>
-            <a:off x="6204044" y="3923521"/>
-            <a:ext cx="114300" cy="113074"/>
-          </a:xfrm>
-          <a:prstGeom prst="triangle">
-            <a:avLst/>
-          </a:prstGeom>
-          <a:solidFill>
-            <a:schemeClr val="bg1">
-              <a:lumMod val="50000"/>
-            </a:schemeClr>
-          </a:solidFill>
-          <a:ln>
-            <a:solidFill>
-              <a:schemeClr val="bg1">
-                <a:lumMod val="50000"/>
-              </a:schemeClr>
-            </a:solidFill>
-          </a:ln>
-        </p:spPr>
-        <p:style>
-          <a:lnRef idx="2">
-            <a:schemeClr val="accent1">
-              <a:shade val="50000"/>
-            </a:schemeClr>
-          </a:lnRef>
-          <a:fillRef idx="1">
-            <a:schemeClr val="accent1"/>
-          </a:fillRef>
-          <a:effectRef idx="0">
-            <a:schemeClr val="accent1"/>
-          </a:effectRef>
-          <a:fontRef idx="minor">
-            <a:schemeClr val="lt1"/>
-          </a:fontRef>
-        </p:style>
-        <p:txBody>
-          <a:bodyPr rtlCol="0" anchor="ctr"/>
-          <a:lstStyle/>
-          <a:p>
-            <a:pPr algn="ctr"/>
-            <a:endParaRPr lang="en-US"/>
-          </a:p>
-        </p:txBody>
-      </p:sp>
-      <p:sp>
-        <p:nvSpPr>
-          <p:cNvPr id="142" name="TextBox 141"/>
-          <p:cNvSpPr txBox="1"/>
-          <p:nvPr/>
-        </p:nvSpPr>
-        <p:spPr>
-          <a:xfrm>
-            <a:off x="5544473" y="4025284"/>
-            <a:ext cx="1461180" cy="707886"/>
-          </a:xfrm>
-          <a:prstGeom prst="rect">
-            <a:avLst/>
-          </a:prstGeom>
-          <a:noFill/>
-        </p:spPr>
-        <p:txBody>
-          <a:bodyPr wrap="square" rtlCol="0">
-            <a:spAutoFit/>
-          </a:bodyPr>
-          <a:lstStyle/>
-          <a:p>
-            <a:pPr algn="ctr"/>
-            <a:r>
-              <a:rPr lang="en-US" sz="1000" dirty="0" smtClean="0">
-                <a:solidFill>
-                  <a:schemeClr val="tx1">
-                    <a:lumMod val="65000"/>
-                    <a:lumOff val="35000"/>
-                  </a:schemeClr>
-                </a:solidFill>
-                <a:latin typeface="Times New Roman" panose="02020603050405020304" pitchFamily="18" charset="0"/>
-                <a:cs typeface="Times New Roman" panose="02020603050405020304" pitchFamily="18" charset="0"/>
-              </a:rPr>
-              <a:t>Final decision </a:t>
-            </a:r>
-          </a:p>
-          <a:p>
-            <a:pPr algn="ctr"/>
-            <a:r>
-              <a:rPr lang="en-US" sz="1000" dirty="0" smtClean="0">
-                <a:solidFill>
-                  <a:schemeClr val="tx1">
-                    <a:lumMod val="65000"/>
-                    <a:lumOff val="35000"/>
-                  </a:schemeClr>
-                </a:solidFill>
-                <a:latin typeface="Times New Roman" panose="02020603050405020304" pitchFamily="18" charset="0"/>
-                <a:cs typeface="Times New Roman" panose="02020603050405020304" pitchFamily="18" charset="0"/>
-              </a:rPr>
-              <a:t>to replicate </a:t>
-            </a:r>
-          </a:p>
-          <a:p>
-            <a:pPr algn="ctr"/>
-            <a:r>
-              <a:rPr lang="en-US" sz="1000" dirty="0" smtClean="0">
-                <a:solidFill>
-                  <a:schemeClr val="tx1">
-                    <a:lumMod val="65000"/>
-                    <a:lumOff val="35000"/>
-                  </a:schemeClr>
-                </a:solidFill>
-                <a:latin typeface="Times New Roman" panose="02020603050405020304" pitchFamily="18" charset="0"/>
-                <a:cs typeface="Times New Roman" panose="02020603050405020304" pitchFamily="18" charset="0"/>
-              </a:rPr>
-              <a:t>Brady &amp; </a:t>
-            </a:r>
-            <a:r>
-              <a:rPr lang="en-US" sz="1000" dirty="0" err="1" smtClean="0">
-                <a:solidFill>
-                  <a:schemeClr val="tx1">
-                    <a:lumMod val="65000"/>
-                    <a:lumOff val="35000"/>
-                  </a:schemeClr>
-                </a:solidFill>
-                <a:latin typeface="Times New Roman" panose="02020603050405020304" pitchFamily="18" charset="0"/>
-                <a:cs typeface="Times New Roman" panose="02020603050405020304" pitchFamily="18" charset="0"/>
-              </a:rPr>
-              <a:t>Finnigan</a:t>
-            </a:r>
-            <a:r>
-              <a:rPr lang="en-US" sz="1000" dirty="0" smtClean="0">
-                <a:solidFill>
-                  <a:schemeClr val="tx1">
-                    <a:lumMod val="65000"/>
-                    <a:lumOff val="35000"/>
-                  </a:schemeClr>
-                </a:solidFill>
-                <a:latin typeface="Times New Roman" panose="02020603050405020304" pitchFamily="18" charset="0"/>
-                <a:cs typeface="Times New Roman" panose="02020603050405020304" pitchFamily="18" charset="0"/>
-              </a:rPr>
-              <a:t> (2014)</a:t>
-            </a:r>
-            <a:endParaRPr lang="en-US" sz="1000" dirty="0">
-              <a:solidFill>
-                <a:schemeClr val="tx1">
-                  <a:lumMod val="65000"/>
-                  <a:lumOff val="35000"/>
-                </a:schemeClr>
-              </a:solidFill>
-              <a:latin typeface="Times New Roman" panose="02020603050405020304" pitchFamily="18" charset="0"/>
-              <a:cs typeface="Times New Roman" panose="02020603050405020304" pitchFamily="18" charset="0"/>
-            </a:endParaRPr>
           </a:p>
         </p:txBody>
       </p:sp>

--- a/results/Fig1and2_timeline.pptx
+++ b/results/Fig1and2_timeline.pptx
@@ -5,11 +5,10 @@
     <p:sldMasterId id="2147483648" r:id="rId1"/>
   </p:sldMasterIdLst>
   <p:sldIdLst>
-    <p:sldId id="256" r:id="rId2"/>
-    <p:sldId id="257" r:id="rId3"/>
-    <p:sldId id="258" r:id="rId4"/>
-    <p:sldId id="259" r:id="rId5"/>
-    <p:sldId id="260" r:id="rId6"/>
+    <p:sldId id="257" r:id="rId2"/>
+    <p:sldId id="258" r:id="rId3"/>
+    <p:sldId id="259" r:id="rId4"/>
+    <p:sldId id="260" r:id="rId5"/>
   </p:sldIdLst>
   <p:sldSz cx="12192000" cy="6858000"/>
   <p:notesSz cx="6858000" cy="9144000"/>
@@ -247,7 +246,7 @@
           <a:p>
             <a:fld id="{1D70F664-32DE-46B7-B014-797C719CCA64}" type="datetimeFigureOut">
               <a:rPr lang="en-US" smtClean="0"/>
-              <a:t>26-Dec-20</a:t>
+              <a:t>03-Mar-21</a:t>
             </a:fld>
             <a:endParaRPr lang="en-US"/>
           </a:p>
@@ -417,7 +416,7 @@
           <a:p>
             <a:fld id="{1D70F664-32DE-46B7-B014-797C719CCA64}" type="datetimeFigureOut">
               <a:rPr lang="en-US" smtClean="0"/>
-              <a:t>26-Dec-20</a:t>
+              <a:t>03-Mar-21</a:t>
             </a:fld>
             <a:endParaRPr lang="en-US"/>
           </a:p>
@@ -597,7 +596,7 @@
           <a:p>
             <a:fld id="{1D70F664-32DE-46B7-B014-797C719CCA64}" type="datetimeFigureOut">
               <a:rPr lang="en-US" smtClean="0"/>
-              <a:t>26-Dec-20</a:t>
+              <a:t>03-Mar-21</a:t>
             </a:fld>
             <a:endParaRPr lang="en-US"/>
           </a:p>
@@ -767,7 +766,7 @@
           <a:p>
             <a:fld id="{1D70F664-32DE-46B7-B014-797C719CCA64}" type="datetimeFigureOut">
               <a:rPr lang="en-US" smtClean="0"/>
-              <a:t>26-Dec-20</a:t>
+              <a:t>03-Mar-21</a:t>
             </a:fld>
             <a:endParaRPr lang="en-US"/>
           </a:p>
@@ -1013,7 +1012,7 @@
           <a:p>
             <a:fld id="{1D70F664-32DE-46B7-B014-797C719CCA64}" type="datetimeFigureOut">
               <a:rPr lang="en-US" smtClean="0"/>
-              <a:t>26-Dec-20</a:t>
+              <a:t>03-Mar-21</a:t>
             </a:fld>
             <a:endParaRPr lang="en-US"/>
           </a:p>
@@ -1245,7 +1244,7 @@
           <a:p>
             <a:fld id="{1D70F664-32DE-46B7-B014-797C719CCA64}" type="datetimeFigureOut">
               <a:rPr lang="en-US" smtClean="0"/>
-              <a:t>26-Dec-20</a:t>
+              <a:t>03-Mar-21</a:t>
             </a:fld>
             <a:endParaRPr lang="en-US"/>
           </a:p>
@@ -1612,7 +1611,7 @@
           <a:p>
             <a:fld id="{1D70F664-32DE-46B7-B014-797C719CCA64}" type="datetimeFigureOut">
               <a:rPr lang="en-US" smtClean="0"/>
-              <a:t>26-Dec-20</a:t>
+              <a:t>03-Mar-21</a:t>
             </a:fld>
             <a:endParaRPr lang="en-US"/>
           </a:p>
@@ -1730,7 +1729,7 @@
           <a:p>
             <a:fld id="{1D70F664-32DE-46B7-B014-797C719CCA64}" type="datetimeFigureOut">
               <a:rPr lang="en-US" smtClean="0"/>
-              <a:t>26-Dec-20</a:t>
+              <a:t>03-Mar-21</a:t>
             </a:fld>
             <a:endParaRPr lang="en-US"/>
           </a:p>
@@ -1825,7 +1824,7 @@
           <a:p>
             <a:fld id="{1D70F664-32DE-46B7-B014-797C719CCA64}" type="datetimeFigureOut">
               <a:rPr lang="en-US" smtClean="0"/>
-              <a:t>26-Dec-20</a:t>
+              <a:t>03-Mar-21</a:t>
             </a:fld>
             <a:endParaRPr lang="en-US"/>
           </a:p>
@@ -2102,7 +2101,7 @@
           <a:p>
             <a:fld id="{1D70F664-32DE-46B7-B014-797C719CCA64}" type="datetimeFigureOut">
               <a:rPr lang="en-US" smtClean="0"/>
-              <a:t>26-Dec-20</a:t>
+              <a:t>03-Mar-21</a:t>
             </a:fld>
             <a:endParaRPr lang="en-US"/>
           </a:p>
@@ -2355,7 +2354,7 @@
           <a:p>
             <a:fld id="{1D70F664-32DE-46B7-B014-797C719CCA64}" type="datetimeFigureOut">
               <a:rPr lang="en-US" smtClean="0"/>
-              <a:t>26-Dec-20</a:t>
+              <a:t>03-Mar-21</a:t>
             </a:fld>
             <a:endParaRPr lang="en-US"/>
           </a:p>
@@ -2568,7 +2567,7 @@
           <a:p>
             <a:fld id="{1D70F664-32DE-46B7-B014-797C719CCA64}" type="datetimeFigureOut">
               <a:rPr lang="en-US" smtClean="0"/>
-              <a:t>26-Dec-20</a:t>
+              <a:t>03-Mar-21</a:t>
             </a:fld>
             <a:endParaRPr lang="en-US"/>
           </a:p>
@@ -2973,3091 +2972,6 @@
           <a:chExt cx="0" cy="0"/>
         </a:xfrm>
       </p:grpSpPr>
-      <p:pic>
-        <p:nvPicPr>
-          <p:cNvPr id="4" name="Picture 3"/>
-          <p:cNvPicPr>
-            <a:picLocks noChangeAspect="1"/>
-          </p:cNvPicPr>
-          <p:nvPr/>
-        </p:nvPicPr>
-        <p:blipFill rotWithShape="1">
-          <a:blip r:embed="rId2"/>
-          <a:srcRect l="21765" t="20065" r="32107" b="18876"/>
-          <a:stretch/>
-        </p:blipFill>
-        <p:spPr>
-          <a:xfrm>
-            <a:off x="1123916" y="0"/>
-            <a:ext cx="9230575" cy="6872972"/>
-          </a:xfrm>
-          <a:prstGeom prst="rect">
-            <a:avLst/>
-          </a:prstGeom>
-        </p:spPr>
-      </p:pic>
-      <p:sp>
-        <p:nvSpPr>
-          <p:cNvPr id="2" name="Rectangle 1"/>
-          <p:cNvSpPr/>
-          <p:nvPr/>
-        </p:nvSpPr>
-        <p:spPr>
-          <a:xfrm>
-            <a:off x="762000" y="1567543"/>
-            <a:ext cx="9531531" cy="4798423"/>
-          </a:xfrm>
-          <a:prstGeom prst="rect">
-            <a:avLst/>
-          </a:prstGeom>
-          <a:noFill/>
-          <a:ln w="19050">
-            <a:solidFill>
-              <a:schemeClr val="bg1">
-                <a:lumMod val="65000"/>
-              </a:schemeClr>
-            </a:solidFill>
-          </a:ln>
-        </p:spPr>
-        <p:style>
-          <a:lnRef idx="2">
-            <a:schemeClr val="accent1">
-              <a:shade val="50000"/>
-            </a:schemeClr>
-          </a:lnRef>
-          <a:fillRef idx="1">
-            <a:schemeClr val="accent1"/>
-          </a:fillRef>
-          <a:effectRef idx="0">
-            <a:schemeClr val="accent1"/>
-          </a:effectRef>
-          <a:fontRef idx="minor">
-            <a:schemeClr val="lt1"/>
-          </a:fontRef>
-        </p:style>
-        <p:txBody>
-          <a:bodyPr rtlCol="0" anchor="ctr"/>
-          <a:lstStyle/>
-          <a:p>
-            <a:pPr algn="ctr"/>
-            <a:endParaRPr lang="en-US"/>
-          </a:p>
-        </p:txBody>
-      </p:sp>
-      <p:cxnSp>
-        <p:nvCxnSpPr>
-          <p:cNvPr id="5" name="Straight Connector 4"/>
-          <p:cNvCxnSpPr/>
-          <p:nvPr/>
-        </p:nvCxnSpPr>
-        <p:spPr>
-          <a:xfrm>
-            <a:off x="762000" y="2590800"/>
-            <a:ext cx="9531531" cy="0"/>
-          </a:xfrm>
-          <a:prstGeom prst="line">
-            <a:avLst/>
-          </a:prstGeom>
-          <a:ln w="12700">
-            <a:solidFill>
-              <a:schemeClr val="bg1">
-                <a:lumMod val="65000"/>
-              </a:schemeClr>
-            </a:solidFill>
-            <a:prstDash val="sysDot"/>
-          </a:ln>
-        </p:spPr>
-        <p:style>
-          <a:lnRef idx="1">
-            <a:schemeClr val="accent1"/>
-          </a:lnRef>
-          <a:fillRef idx="0">
-            <a:schemeClr val="accent1"/>
-          </a:fillRef>
-          <a:effectRef idx="0">
-            <a:schemeClr val="accent1"/>
-          </a:effectRef>
-          <a:fontRef idx="minor">
-            <a:schemeClr val="tx1"/>
-          </a:fontRef>
-        </p:style>
-      </p:cxnSp>
-      <p:cxnSp>
-        <p:nvCxnSpPr>
-          <p:cNvPr id="7" name="Straight Connector 6"/>
-          <p:cNvCxnSpPr/>
-          <p:nvPr/>
-        </p:nvCxnSpPr>
-        <p:spPr>
-          <a:xfrm>
-            <a:off x="762000" y="3219450"/>
-            <a:ext cx="9524727" cy="9525"/>
-          </a:xfrm>
-          <a:prstGeom prst="line">
-            <a:avLst/>
-          </a:prstGeom>
-          <a:ln w="12700">
-            <a:solidFill>
-              <a:schemeClr val="bg1">
-                <a:lumMod val="65000"/>
-              </a:schemeClr>
-            </a:solidFill>
-            <a:prstDash val="sysDot"/>
-          </a:ln>
-        </p:spPr>
-        <p:style>
-          <a:lnRef idx="1">
-            <a:schemeClr val="accent1"/>
-          </a:lnRef>
-          <a:fillRef idx="0">
-            <a:schemeClr val="accent1"/>
-          </a:fillRef>
-          <a:effectRef idx="0">
-            <a:schemeClr val="accent1"/>
-          </a:effectRef>
-          <a:fontRef idx="minor">
-            <a:schemeClr val="tx1"/>
-          </a:fontRef>
-        </p:style>
-      </p:cxnSp>
-      <p:cxnSp>
-        <p:nvCxnSpPr>
-          <p:cNvPr id="8" name="Straight Connector 7"/>
-          <p:cNvCxnSpPr/>
-          <p:nvPr/>
-        </p:nvCxnSpPr>
-        <p:spPr>
-          <a:xfrm>
-            <a:off x="762000" y="3848100"/>
-            <a:ext cx="9524727" cy="9525"/>
-          </a:xfrm>
-          <a:prstGeom prst="line">
-            <a:avLst/>
-          </a:prstGeom>
-          <a:ln w="12700">
-            <a:solidFill>
-              <a:schemeClr val="bg1">
-                <a:lumMod val="65000"/>
-              </a:schemeClr>
-            </a:solidFill>
-            <a:prstDash val="sysDot"/>
-          </a:ln>
-        </p:spPr>
-        <p:style>
-          <a:lnRef idx="1">
-            <a:schemeClr val="accent1"/>
-          </a:lnRef>
-          <a:fillRef idx="0">
-            <a:schemeClr val="accent1"/>
-          </a:fillRef>
-          <a:effectRef idx="0">
-            <a:schemeClr val="accent1"/>
-          </a:effectRef>
-          <a:fontRef idx="minor">
-            <a:schemeClr val="tx1"/>
-          </a:fontRef>
-        </p:style>
-      </p:cxnSp>
-      <p:cxnSp>
-        <p:nvCxnSpPr>
-          <p:cNvPr id="9" name="Straight Connector 8"/>
-          <p:cNvCxnSpPr/>
-          <p:nvPr/>
-        </p:nvCxnSpPr>
-        <p:spPr>
-          <a:xfrm>
-            <a:off x="762000" y="4477153"/>
-            <a:ext cx="9524727" cy="9122"/>
-          </a:xfrm>
-          <a:prstGeom prst="line">
-            <a:avLst/>
-          </a:prstGeom>
-          <a:ln w="12700">
-            <a:solidFill>
-              <a:schemeClr val="bg1">
-                <a:lumMod val="65000"/>
-              </a:schemeClr>
-            </a:solidFill>
-            <a:prstDash val="sysDot"/>
-          </a:ln>
-        </p:spPr>
-        <p:style>
-          <a:lnRef idx="1">
-            <a:schemeClr val="accent1"/>
-          </a:lnRef>
-          <a:fillRef idx="0">
-            <a:schemeClr val="accent1"/>
-          </a:fillRef>
-          <a:effectRef idx="0">
-            <a:schemeClr val="accent1"/>
-          </a:effectRef>
-          <a:fontRef idx="minor">
-            <a:schemeClr val="tx1"/>
-          </a:fontRef>
-        </p:style>
-      </p:cxnSp>
-      <p:cxnSp>
-        <p:nvCxnSpPr>
-          <p:cNvPr id="10" name="Straight Connector 9"/>
-          <p:cNvCxnSpPr/>
-          <p:nvPr/>
-        </p:nvCxnSpPr>
-        <p:spPr>
-          <a:xfrm>
-            <a:off x="762000" y="5101709"/>
-            <a:ext cx="9524727" cy="13263"/>
-          </a:xfrm>
-          <a:prstGeom prst="line">
-            <a:avLst/>
-          </a:prstGeom>
-          <a:ln w="12700">
-            <a:solidFill>
-              <a:schemeClr val="bg1">
-                <a:lumMod val="65000"/>
-              </a:schemeClr>
-            </a:solidFill>
-            <a:prstDash val="sysDot"/>
-          </a:ln>
-        </p:spPr>
-        <p:style>
-          <a:lnRef idx="1">
-            <a:schemeClr val="accent1"/>
-          </a:lnRef>
-          <a:fillRef idx="0">
-            <a:schemeClr val="accent1"/>
-          </a:fillRef>
-          <a:effectRef idx="0">
-            <a:schemeClr val="accent1"/>
-          </a:effectRef>
-          <a:fontRef idx="minor">
-            <a:schemeClr val="tx1"/>
-          </a:fontRef>
-        </p:style>
-      </p:cxnSp>
-      <p:cxnSp>
-        <p:nvCxnSpPr>
-          <p:cNvPr id="11" name="Straight Connector 10"/>
-          <p:cNvCxnSpPr/>
-          <p:nvPr/>
-        </p:nvCxnSpPr>
-        <p:spPr>
-          <a:xfrm>
-            <a:off x="762000" y="5722429"/>
-            <a:ext cx="9531531" cy="0"/>
-          </a:xfrm>
-          <a:prstGeom prst="line">
-            <a:avLst/>
-          </a:prstGeom>
-          <a:ln w="12700">
-            <a:solidFill>
-              <a:schemeClr val="bg1">
-                <a:lumMod val="65000"/>
-              </a:schemeClr>
-            </a:solidFill>
-            <a:prstDash val="sysDot"/>
-          </a:ln>
-        </p:spPr>
-        <p:style>
-          <a:lnRef idx="1">
-            <a:schemeClr val="accent1"/>
-          </a:lnRef>
-          <a:fillRef idx="0">
-            <a:schemeClr val="accent1"/>
-          </a:fillRef>
-          <a:effectRef idx="0">
-            <a:schemeClr val="accent1"/>
-          </a:effectRef>
-          <a:fontRef idx="minor">
-            <a:schemeClr val="tx1"/>
-          </a:fontRef>
-        </p:style>
-      </p:cxnSp>
-      <p:cxnSp>
-        <p:nvCxnSpPr>
-          <p:cNvPr id="12" name="Straight Connector 11"/>
-          <p:cNvCxnSpPr/>
-          <p:nvPr/>
-        </p:nvCxnSpPr>
-        <p:spPr>
-          <a:xfrm>
-            <a:off x="762000" y="1971675"/>
-            <a:ext cx="9524727" cy="0"/>
-          </a:xfrm>
-          <a:prstGeom prst="line">
-            <a:avLst/>
-          </a:prstGeom>
-          <a:ln w="19050">
-            <a:solidFill>
-              <a:schemeClr val="bg1">
-                <a:lumMod val="65000"/>
-              </a:schemeClr>
-            </a:solidFill>
-            <a:prstDash val="solid"/>
-          </a:ln>
-        </p:spPr>
-        <p:style>
-          <a:lnRef idx="1">
-            <a:schemeClr val="accent1"/>
-          </a:lnRef>
-          <a:fillRef idx="0">
-            <a:schemeClr val="accent1"/>
-          </a:fillRef>
-          <a:effectRef idx="0">
-            <a:schemeClr val="accent1"/>
-          </a:effectRef>
-          <a:fontRef idx="minor">
-            <a:schemeClr val="tx1"/>
-          </a:fontRef>
-        </p:style>
-      </p:cxnSp>
-      <p:cxnSp>
-        <p:nvCxnSpPr>
-          <p:cNvPr id="13" name="Straight Connector 12"/>
-          <p:cNvCxnSpPr/>
-          <p:nvPr/>
-        </p:nvCxnSpPr>
-        <p:spPr>
-          <a:xfrm flipV="1">
-            <a:off x="3810000" y="1567544"/>
-            <a:ext cx="9525" cy="4798422"/>
-          </a:xfrm>
-          <a:prstGeom prst="line">
-            <a:avLst/>
-          </a:prstGeom>
-          <a:ln w="12700">
-            <a:solidFill>
-              <a:schemeClr val="bg1">
-                <a:lumMod val="65000"/>
-              </a:schemeClr>
-            </a:solidFill>
-            <a:prstDash val="sysDot"/>
-          </a:ln>
-        </p:spPr>
-        <p:style>
-          <a:lnRef idx="1">
-            <a:schemeClr val="accent1"/>
-          </a:lnRef>
-          <a:fillRef idx="0">
-            <a:schemeClr val="accent1"/>
-          </a:fillRef>
-          <a:effectRef idx="0">
-            <a:schemeClr val="accent1"/>
-          </a:effectRef>
-          <a:fontRef idx="minor">
-            <a:schemeClr val="tx1"/>
-          </a:fontRef>
-        </p:style>
-      </p:cxnSp>
-      <p:cxnSp>
-        <p:nvCxnSpPr>
-          <p:cNvPr id="16" name="Straight Connector 15"/>
-          <p:cNvCxnSpPr/>
-          <p:nvPr/>
-        </p:nvCxnSpPr>
-        <p:spPr>
-          <a:xfrm flipH="1">
-            <a:off x="3818166" y="1781175"/>
-            <a:ext cx="6475365" cy="1"/>
-          </a:xfrm>
-          <a:prstGeom prst="line">
-            <a:avLst/>
-          </a:prstGeom>
-          <a:ln w="12700">
-            <a:solidFill>
-              <a:schemeClr val="bg1">
-                <a:lumMod val="65000"/>
-              </a:schemeClr>
-            </a:solidFill>
-            <a:prstDash val="sysDot"/>
-          </a:ln>
-        </p:spPr>
-        <p:style>
-          <a:lnRef idx="1">
-            <a:schemeClr val="accent1"/>
-          </a:lnRef>
-          <a:fillRef idx="0">
-            <a:schemeClr val="accent1"/>
-          </a:fillRef>
-          <a:effectRef idx="0">
-            <a:schemeClr val="accent1"/>
-          </a:effectRef>
-          <a:fontRef idx="minor">
-            <a:schemeClr val="tx1"/>
-          </a:fontRef>
-        </p:style>
-      </p:cxnSp>
-      <p:cxnSp>
-        <p:nvCxnSpPr>
-          <p:cNvPr id="19" name="Straight Connector 18"/>
-          <p:cNvCxnSpPr/>
-          <p:nvPr/>
-        </p:nvCxnSpPr>
-        <p:spPr>
-          <a:xfrm flipH="1">
-            <a:off x="9220200" y="1579109"/>
-            <a:ext cx="1" cy="4786857"/>
-          </a:xfrm>
-          <a:prstGeom prst="line">
-            <a:avLst/>
-          </a:prstGeom>
-          <a:ln w="12700">
-            <a:solidFill>
-              <a:schemeClr val="bg1">
-                <a:lumMod val="65000"/>
-              </a:schemeClr>
-            </a:solidFill>
-            <a:prstDash val="sysDot"/>
-          </a:ln>
-        </p:spPr>
-        <p:style>
-          <a:lnRef idx="1">
-            <a:schemeClr val="accent1"/>
-          </a:lnRef>
-          <a:fillRef idx="0">
-            <a:schemeClr val="accent1"/>
-          </a:fillRef>
-          <a:effectRef idx="0">
-            <a:schemeClr val="accent1"/>
-          </a:effectRef>
-          <a:fontRef idx="minor">
-            <a:schemeClr val="tx1"/>
-          </a:fontRef>
-        </p:style>
-      </p:cxnSp>
-      <p:cxnSp>
-        <p:nvCxnSpPr>
-          <p:cNvPr id="22" name="Straight Connector 21"/>
-          <p:cNvCxnSpPr/>
-          <p:nvPr/>
-        </p:nvCxnSpPr>
-        <p:spPr>
-          <a:xfrm flipH="1">
-            <a:off x="9753463" y="1792740"/>
-            <a:ext cx="2" cy="4573226"/>
-          </a:xfrm>
-          <a:prstGeom prst="line">
-            <a:avLst/>
-          </a:prstGeom>
-          <a:ln w="12700">
-            <a:solidFill>
-              <a:schemeClr val="bg1">
-                <a:lumMod val="65000"/>
-              </a:schemeClr>
-            </a:solidFill>
-            <a:prstDash val="sysDot"/>
-          </a:ln>
-        </p:spPr>
-        <p:style>
-          <a:lnRef idx="1">
-            <a:schemeClr val="accent1"/>
-          </a:lnRef>
-          <a:fillRef idx="0">
-            <a:schemeClr val="accent1"/>
-          </a:fillRef>
-          <a:effectRef idx="0">
-            <a:schemeClr val="accent1"/>
-          </a:effectRef>
-          <a:fontRef idx="minor">
-            <a:schemeClr val="tx1"/>
-          </a:fontRef>
-        </p:style>
-      </p:cxnSp>
-      <p:cxnSp>
-        <p:nvCxnSpPr>
-          <p:cNvPr id="24" name="Straight Connector 23"/>
-          <p:cNvCxnSpPr/>
-          <p:nvPr/>
-        </p:nvCxnSpPr>
-        <p:spPr>
-          <a:xfrm>
-            <a:off x="3810000" y="1579109"/>
-            <a:ext cx="8166" cy="4786857"/>
-          </a:xfrm>
-          <a:prstGeom prst="line">
-            <a:avLst/>
-          </a:prstGeom>
-          <a:ln w="19050" cmpd="sng">
-            <a:solidFill>
-              <a:schemeClr val="bg1">
-                <a:lumMod val="65000"/>
-              </a:schemeClr>
-            </a:solidFill>
-            <a:prstDash val="solid"/>
-          </a:ln>
-        </p:spPr>
-        <p:style>
-          <a:lnRef idx="1">
-            <a:schemeClr val="accent1"/>
-          </a:lnRef>
-          <a:fillRef idx="0">
-            <a:schemeClr val="accent1"/>
-          </a:fillRef>
-          <a:effectRef idx="0">
-            <a:schemeClr val="accent1"/>
-          </a:effectRef>
-          <a:fontRef idx="minor">
-            <a:schemeClr val="tx1"/>
-          </a:fontRef>
-        </p:style>
-      </p:cxnSp>
-      <p:cxnSp>
-        <p:nvCxnSpPr>
-          <p:cNvPr id="29" name="Straight Connector 28"/>
-          <p:cNvCxnSpPr/>
-          <p:nvPr/>
-        </p:nvCxnSpPr>
-        <p:spPr>
-          <a:xfrm flipH="1">
-            <a:off x="8680132" y="1971675"/>
-            <a:ext cx="2" cy="4573226"/>
-          </a:xfrm>
-          <a:prstGeom prst="line">
-            <a:avLst/>
-          </a:prstGeom>
-          <a:ln w="12700">
-            <a:solidFill>
-              <a:schemeClr val="bg1">
-                <a:lumMod val="65000"/>
-              </a:schemeClr>
-            </a:solidFill>
-            <a:prstDash val="sysDot"/>
-          </a:ln>
-        </p:spPr>
-        <p:style>
-          <a:lnRef idx="1">
-            <a:schemeClr val="accent1"/>
-          </a:lnRef>
-          <a:fillRef idx="0">
-            <a:schemeClr val="accent1"/>
-          </a:fillRef>
-          <a:effectRef idx="0">
-            <a:schemeClr val="accent1"/>
-          </a:effectRef>
-          <a:fontRef idx="minor">
-            <a:schemeClr val="tx1"/>
-          </a:fontRef>
-        </p:style>
-      </p:cxnSp>
-      <p:cxnSp>
-        <p:nvCxnSpPr>
-          <p:cNvPr id="30" name="Straight Connector 29"/>
-          <p:cNvCxnSpPr/>
-          <p:nvPr/>
-        </p:nvCxnSpPr>
-        <p:spPr>
-          <a:xfrm flipH="1">
-            <a:off x="8140064" y="1971675"/>
-            <a:ext cx="2" cy="4573226"/>
-          </a:xfrm>
-          <a:prstGeom prst="line">
-            <a:avLst/>
-          </a:prstGeom>
-          <a:ln w="12700">
-            <a:solidFill>
-              <a:schemeClr val="bg1">
-                <a:lumMod val="65000"/>
-              </a:schemeClr>
-            </a:solidFill>
-            <a:prstDash val="sysDot"/>
-          </a:ln>
-        </p:spPr>
-        <p:style>
-          <a:lnRef idx="1">
-            <a:schemeClr val="accent1"/>
-          </a:lnRef>
-          <a:fillRef idx="0">
-            <a:schemeClr val="accent1"/>
-          </a:fillRef>
-          <a:effectRef idx="0">
-            <a:schemeClr val="accent1"/>
-          </a:effectRef>
-          <a:fontRef idx="minor">
-            <a:schemeClr val="tx1"/>
-          </a:fontRef>
-        </p:style>
-      </p:cxnSp>
-      <p:cxnSp>
-        <p:nvCxnSpPr>
-          <p:cNvPr id="31" name="Straight Connector 30"/>
-          <p:cNvCxnSpPr/>
-          <p:nvPr/>
-        </p:nvCxnSpPr>
-        <p:spPr>
-          <a:xfrm flipH="1">
-            <a:off x="7599994" y="1971675"/>
-            <a:ext cx="2" cy="4573226"/>
-          </a:xfrm>
-          <a:prstGeom prst="line">
-            <a:avLst/>
-          </a:prstGeom>
-          <a:ln w="12700">
-            <a:solidFill>
-              <a:schemeClr val="bg1">
-                <a:lumMod val="65000"/>
-              </a:schemeClr>
-            </a:solidFill>
-            <a:prstDash val="sysDot"/>
-          </a:ln>
-        </p:spPr>
-        <p:style>
-          <a:lnRef idx="1">
-            <a:schemeClr val="accent1"/>
-          </a:lnRef>
-          <a:fillRef idx="0">
-            <a:schemeClr val="accent1"/>
-          </a:fillRef>
-          <a:effectRef idx="0">
-            <a:schemeClr val="accent1"/>
-          </a:effectRef>
-          <a:fontRef idx="minor">
-            <a:schemeClr val="tx1"/>
-          </a:fontRef>
-        </p:style>
-      </p:cxnSp>
-      <p:cxnSp>
-        <p:nvCxnSpPr>
-          <p:cNvPr id="32" name="Straight Connector 31"/>
-          <p:cNvCxnSpPr/>
-          <p:nvPr/>
-        </p:nvCxnSpPr>
-        <p:spPr>
-          <a:xfrm flipH="1">
-            <a:off x="7055848" y="1781174"/>
-            <a:ext cx="2" cy="4573226"/>
-          </a:xfrm>
-          <a:prstGeom prst="line">
-            <a:avLst/>
-          </a:prstGeom>
-          <a:ln w="12700">
-            <a:solidFill>
-              <a:schemeClr val="bg1">
-                <a:lumMod val="65000"/>
-              </a:schemeClr>
-            </a:solidFill>
-            <a:prstDash val="sysDot"/>
-          </a:ln>
-        </p:spPr>
-        <p:style>
-          <a:lnRef idx="1">
-            <a:schemeClr val="accent1"/>
-          </a:lnRef>
-          <a:fillRef idx="0">
-            <a:schemeClr val="accent1"/>
-          </a:fillRef>
-          <a:effectRef idx="0">
-            <a:schemeClr val="accent1"/>
-          </a:effectRef>
-          <a:fontRef idx="minor">
-            <a:schemeClr val="tx1"/>
-          </a:fontRef>
-        </p:style>
-      </p:cxnSp>
-      <p:cxnSp>
-        <p:nvCxnSpPr>
-          <p:cNvPr id="33" name="Straight Connector 32"/>
-          <p:cNvCxnSpPr/>
-          <p:nvPr/>
-        </p:nvCxnSpPr>
-        <p:spPr>
-          <a:xfrm flipH="1">
-            <a:off x="6511704" y="1792740"/>
-            <a:ext cx="2" cy="4573226"/>
-          </a:xfrm>
-          <a:prstGeom prst="line">
-            <a:avLst/>
-          </a:prstGeom>
-          <a:ln w="12700">
-            <a:solidFill>
-              <a:schemeClr val="bg1">
-                <a:lumMod val="65000"/>
-              </a:schemeClr>
-            </a:solidFill>
-            <a:prstDash val="sysDot"/>
-          </a:ln>
-        </p:spPr>
-        <p:style>
-          <a:lnRef idx="1">
-            <a:schemeClr val="accent1"/>
-          </a:lnRef>
-          <a:fillRef idx="0">
-            <a:schemeClr val="accent1"/>
-          </a:fillRef>
-          <a:effectRef idx="0">
-            <a:schemeClr val="accent1"/>
-          </a:effectRef>
-          <a:fontRef idx="minor">
-            <a:schemeClr val="tx1"/>
-          </a:fontRef>
-        </p:style>
-      </p:cxnSp>
-      <p:cxnSp>
-        <p:nvCxnSpPr>
-          <p:cNvPr id="34" name="Straight Connector 33"/>
-          <p:cNvCxnSpPr/>
-          <p:nvPr/>
-        </p:nvCxnSpPr>
-        <p:spPr>
-          <a:xfrm flipH="1">
-            <a:off x="5967557" y="1960111"/>
-            <a:ext cx="2" cy="4573226"/>
-          </a:xfrm>
-          <a:prstGeom prst="line">
-            <a:avLst/>
-          </a:prstGeom>
-          <a:ln w="12700">
-            <a:solidFill>
-              <a:schemeClr val="bg1">
-                <a:lumMod val="65000"/>
-              </a:schemeClr>
-            </a:solidFill>
-            <a:prstDash val="sysDot"/>
-          </a:ln>
-        </p:spPr>
-        <p:style>
-          <a:lnRef idx="1">
-            <a:schemeClr val="accent1"/>
-          </a:lnRef>
-          <a:fillRef idx="0">
-            <a:schemeClr val="accent1"/>
-          </a:fillRef>
-          <a:effectRef idx="0">
-            <a:schemeClr val="accent1"/>
-          </a:effectRef>
-          <a:fontRef idx="minor">
-            <a:schemeClr val="tx1"/>
-          </a:fontRef>
-        </p:style>
-      </p:cxnSp>
-      <p:cxnSp>
-        <p:nvCxnSpPr>
-          <p:cNvPr id="35" name="Straight Connector 34"/>
-          <p:cNvCxnSpPr/>
-          <p:nvPr/>
-        </p:nvCxnSpPr>
-        <p:spPr>
-          <a:xfrm flipH="1">
-            <a:off x="5438370" y="1781174"/>
-            <a:ext cx="2" cy="4573226"/>
-          </a:xfrm>
-          <a:prstGeom prst="line">
-            <a:avLst/>
-          </a:prstGeom>
-          <a:ln w="12700">
-            <a:solidFill>
-              <a:schemeClr val="bg1">
-                <a:lumMod val="65000"/>
-              </a:schemeClr>
-            </a:solidFill>
-            <a:prstDash val="sysDot"/>
-          </a:ln>
-        </p:spPr>
-        <p:style>
-          <a:lnRef idx="1">
-            <a:schemeClr val="accent1"/>
-          </a:lnRef>
-          <a:fillRef idx="0">
-            <a:schemeClr val="accent1"/>
-          </a:fillRef>
-          <a:effectRef idx="0">
-            <a:schemeClr val="accent1"/>
-          </a:effectRef>
-          <a:fontRef idx="minor">
-            <a:schemeClr val="tx1"/>
-          </a:fontRef>
-        </p:style>
-      </p:cxnSp>
-      <p:cxnSp>
-        <p:nvCxnSpPr>
-          <p:cNvPr id="36" name="Straight Connector 35"/>
-          <p:cNvCxnSpPr/>
-          <p:nvPr/>
-        </p:nvCxnSpPr>
-        <p:spPr>
-          <a:xfrm flipH="1">
-            <a:off x="4879267" y="1792740"/>
-            <a:ext cx="2" cy="4573226"/>
-          </a:xfrm>
-          <a:prstGeom prst="line">
-            <a:avLst/>
-          </a:prstGeom>
-          <a:ln w="12700">
-            <a:solidFill>
-              <a:schemeClr val="bg1">
-                <a:lumMod val="65000"/>
-              </a:schemeClr>
-            </a:solidFill>
-            <a:prstDash val="sysDot"/>
-          </a:ln>
-        </p:spPr>
-        <p:style>
-          <a:lnRef idx="1">
-            <a:schemeClr val="accent1"/>
-          </a:lnRef>
-          <a:fillRef idx="0">
-            <a:schemeClr val="accent1"/>
-          </a:fillRef>
-          <a:effectRef idx="0">
-            <a:schemeClr val="accent1"/>
-          </a:effectRef>
-          <a:fontRef idx="minor">
-            <a:schemeClr val="tx1"/>
-          </a:fontRef>
-        </p:style>
-      </p:cxnSp>
-      <p:cxnSp>
-        <p:nvCxnSpPr>
-          <p:cNvPr id="37" name="Straight Connector 36"/>
-          <p:cNvCxnSpPr/>
-          <p:nvPr/>
-        </p:nvCxnSpPr>
-        <p:spPr>
-          <a:xfrm flipH="1">
-            <a:off x="4358217" y="1769611"/>
-            <a:ext cx="2" cy="4573226"/>
-          </a:xfrm>
-          <a:prstGeom prst="line">
-            <a:avLst/>
-          </a:prstGeom>
-          <a:ln w="12700">
-            <a:solidFill>
-              <a:schemeClr val="bg1">
-                <a:lumMod val="65000"/>
-              </a:schemeClr>
-            </a:solidFill>
-            <a:prstDash val="sysDot"/>
-          </a:ln>
-        </p:spPr>
-        <p:style>
-          <a:lnRef idx="1">
-            <a:schemeClr val="accent1"/>
-          </a:lnRef>
-          <a:fillRef idx="0">
-            <a:schemeClr val="accent1"/>
-          </a:fillRef>
-          <a:effectRef idx="0">
-            <a:schemeClr val="accent1"/>
-          </a:effectRef>
-          <a:fontRef idx="minor">
-            <a:schemeClr val="tx1"/>
-          </a:fontRef>
-        </p:style>
-      </p:cxnSp>
-      <p:sp>
-        <p:nvSpPr>
-          <p:cNvPr id="38" name="TextBox 37"/>
-          <p:cNvSpPr txBox="1"/>
-          <p:nvPr/>
-        </p:nvSpPr>
-        <p:spPr>
-          <a:xfrm>
-            <a:off x="1400175" y="2105025"/>
-            <a:ext cx="2417991" cy="369332"/>
-          </a:xfrm>
-          <a:prstGeom prst="rect">
-            <a:avLst/>
-          </a:prstGeom>
-          <a:noFill/>
-        </p:spPr>
-        <p:txBody>
-          <a:bodyPr wrap="square" rtlCol="0">
-            <a:spAutoFit/>
-          </a:bodyPr>
-          <a:lstStyle/>
-          <a:p>
-            <a:pPr algn="r"/>
-            <a:r>
-              <a:rPr lang="en-US" dirty="0" smtClean="0">
-                <a:latin typeface="Times New Roman" panose="02020603050405020304" pitchFamily="18" charset="0"/>
-                <a:cs typeface="Times New Roman" panose="02020603050405020304" pitchFamily="18" charset="0"/>
-              </a:rPr>
-              <a:t>Design </a:t>
-            </a:r>
-            <a:r>
-              <a:rPr lang="en-US" sz="1400" dirty="0" smtClean="0">
-                <a:latin typeface="Times New Roman" panose="02020603050405020304" pitchFamily="18" charset="0"/>
-                <a:cs typeface="Times New Roman" panose="02020603050405020304" pitchFamily="18" charset="0"/>
-              </a:rPr>
-              <a:t>(since Jan, 2018)</a:t>
-            </a:r>
-            <a:endParaRPr lang="en-US" sz="1400" dirty="0">
-              <a:latin typeface="Times New Roman" panose="02020603050405020304" pitchFamily="18" charset="0"/>
-              <a:cs typeface="Times New Roman" panose="02020603050405020304" pitchFamily="18" charset="0"/>
-            </a:endParaRPr>
-          </a:p>
-        </p:txBody>
-      </p:sp>
-      <p:sp>
-        <p:nvSpPr>
-          <p:cNvPr id="39" name="TextBox 38"/>
-          <p:cNvSpPr txBox="1"/>
-          <p:nvPr/>
-        </p:nvSpPr>
-        <p:spPr>
-          <a:xfrm>
-            <a:off x="1379101" y="2724149"/>
-            <a:ext cx="2417991" cy="369332"/>
-          </a:xfrm>
-          <a:prstGeom prst="rect">
-            <a:avLst/>
-          </a:prstGeom>
-          <a:noFill/>
-        </p:spPr>
-        <p:txBody>
-          <a:bodyPr wrap="square" rtlCol="0">
-            <a:spAutoFit/>
-          </a:bodyPr>
-          <a:lstStyle/>
-          <a:p>
-            <a:pPr algn="r"/>
-            <a:r>
-              <a:rPr lang="en-US" dirty="0" smtClean="0">
-                <a:latin typeface="Times New Roman" panose="02020603050405020304" pitchFamily="18" charset="0"/>
-                <a:cs typeface="Times New Roman" panose="02020603050405020304" pitchFamily="18" charset="0"/>
-              </a:rPr>
-              <a:t>Call for Researchers</a:t>
-            </a:r>
-            <a:endParaRPr lang="en-US" sz="1400" dirty="0">
-              <a:latin typeface="Times New Roman" panose="02020603050405020304" pitchFamily="18" charset="0"/>
-              <a:cs typeface="Times New Roman" panose="02020603050405020304" pitchFamily="18" charset="0"/>
-            </a:endParaRPr>
-          </a:p>
-        </p:txBody>
-      </p:sp>
-      <p:sp>
-        <p:nvSpPr>
-          <p:cNvPr id="40" name="TextBox 39"/>
-          <p:cNvSpPr txBox="1"/>
-          <p:nvPr/>
-        </p:nvSpPr>
-        <p:spPr>
-          <a:xfrm>
-            <a:off x="1379101" y="3343273"/>
-            <a:ext cx="2417991" cy="369332"/>
-          </a:xfrm>
-          <a:prstGeom prst="rect">
-            <a:avLst/>
-          </a:prstGeom>
-          <a:noFill/>
-        </p:spPr>
-        <p:txBody>
-          <a:bodyPr wrap="square" rtlCol="0">
-            <a:spAutoFit/>
-          </a:bodyPr>
-          <a:lstStyle/>
-          <a:p>
-            <a:pPr algn="r"/>
-            <a:r>
-              <a:rPr lang="en-US" dirty="0" smtClean="0">
-                <a:latin typeface="Times New Roman" panose="02020603050405020304" pitchFamily="18" charset="0"/>
-                <a:cs typeface="Times New Roman" panose="02020603050405020304" pitchFamily="18" charset="0"/>
-              </a:rPr>
-              <a:t>Panel Survey</a:t>
-            </a:r>
-            <a:endParaRPr lang="en-US" sz="1400" dirty="0">
-              <a:latin typeface="Times New Roman" panose="02020603050405020304" pitchFamily="18" charset="0"/>
-              <a:cs typeface="Times New Roman" panose="02020603050405020304" pitchFamily="18" charset="0"/>
-            </a:endParaRPr>
-          </a:p>
-        </p:txBody>
-      </p:sp>
-      <p:sp>
-        <p:nvSpPr>
-          <p:cNvPr id="41" name="TextBox 40"/>
-          <p:cNvSpPr txBox="1"/>
-          <p:nvPr/>
-        </p:nvSpPr>
-        <p:spPr>
-          <a:xfrm>
-            <a:off x="1379101" y="3971922"/>
-            <a:ext cx="2417991" cy="369332"/>
-          </a:xfrm>
-          <a:prstGeom prst="rect">
-            <a:avLst/>
-          </a:prstGeom>
-          <a:noFill/>
-        </p:spPr>
-        <p:txBody>
-          <a:bodyPr wrap="square" rtlCol="0">
-            <a:spAutoFit/>
-          </a:bodyPr>
-          <a:lstStyle/>
-          <a:p>
-            <a:pPr algn="r"/>
-            <a:r>
-              <a:rPr lang="en-US" dirty="0" smtClean="0">
-                <a:latin typeface="Times New Roman" panose="02020603050405020304" pitchFamily="18" charset="0"/>
-                <a:cs typeface="Times New Roman" panose="02020603050405020304" pitchFamily="18" charset="0"/>
-              </a:rPr>
-              <a:t>Phase I - Replication</a:t>
-            </a:r>
-            <a:endParaRPr lang="en-US" sz="1400" dirty="0">
-              <a:latin typeface="Times New Roman" panose="02020603050405020304" pitchFamily="18" charset="0"/>
-              <a:cs typeface="Times New Roman" panose="02020603050405020304" pitchFamily="18" charset="0"/>
-            </a:endParaRPr>
-          </a:p>
-        </p:txBody>
-      </p:sp>
-      <p:sp>
-        <p:nvSpPr>
-          <p:cNvPr id="42" name="TextBox 41"/>
-          <p:cNvSpPr txBox="1"/>
-          <p:nvPr/>
-        </p:nvSpPr>
-        <p:spPr>
-          <a:xfrm>
-            <a:off x="350800" y="4477153"/>
-            <a:ext cx="3429470" cy="646331"/>
-          </a:xfrm>
-          <a:prstGeom prst="rect">
-            <a:avLst/>
-          </a:prstGeom>
-          <a:noFill/>
-        </p:spPr>
-        <p:txBody>
-          <a:bodyPr wrap="square" rtlCol="0">
-            <a:spAutoFit/>
-          </a:bodyPr>
-          <a:lstStyle/>
-          <a:p>
-            <a:pPr algn="r"/>
-            <a:r>
-              <a:rPr lang="en-US" dirty="0" smtClean="0">
-                <a:latin typeface="Times New Roman" panose="02020603050405020304" pitchFamily="18" charset="0"/>
-                <a:cs typeface="Times New Roman" panose="02020603050405020304" pitchFamily="18" charset="0"/>
-              </a:rPr>
-              <a:t>Phase II – Research Designs &amp; Deliberation Experiment </a:t>
-            </a:r>
-            <a:endParaRPr lang="en-US" sz="1400" dirty="0">
-              <a:latin typeface="Times New Roman" panose="02020603050405020304" pitchFamily="18" charset="0"/>
-              <a:cs typeface="Times New Roman" panose="02020603050405020304" pitchFamily="18" charset="0"/>
-            </a:endParaRPr>
-          </a:p>
-        </p:txBody>
-      </p:sp>
-      <p:sp>
-        <p:nvSpPr>
-          <p:cNvPr id="43" name="TextBox 42"/>
-          <p:cNvSpPr txBox="1"/>
-          <p:nvPr/>
-        </p:nvSpPr>
-        <p:spPr>
-          <a:xfrm>
-            <a:off x="1422610" y="5248322"/>
-            <a:ext cx="2417991" cy="369332"/>
-          </a:xfrm>
-          <a:prstGeom prst="rect">
-            <a:avLst/>
-          </a:prstGeom>
-          <a:noFill/>
-        </p:spPr>
-        <p:txBody>
-          <a:bodyPr wrap="square" rtlCol="0">
-            <a:spAutoFit/>
-          </a:bodyPr>
-          <a:lstStyle/>
-          <a:p>
-            <a:pPr algn="r"/>
-            <a:r>
-              <a:rPr lang="en-US" dirty="0" smtClean="0">
-                <a:latin typeface="Times New Roman" panose="02020603050405020304" pitchFamily="18" charset="0"/>
-                <a:cs typeface="Times New Roman" panose="02020603050405020304" pitchFamily="18" charset="0"/>
-              </a:rPr>
-              <a:t>Phase III - Expansion</a:t>
-            </a:r>
-            <a:endParaRPr lang="en-US" sz="1400" dirty="0">
-              <a:latin typeface="Times New Roman" panose="02020603050405020304" pitchFamily="18" charset="0"/>
-              <a:cs typeface="Times New Roman" panose="02020603050405020304" pitchFamily="18" charset="0"/>
-            </a:endParaRPr>
-          </a:p>
-        </p:txBody>
-      </p:sp>
-      <p:sp>
-        <p:nvSpPr>
-          <p:cNvPr id="44" name="TextBox 43"/>
-          <p:cNvSpPr txBox="1"/>
-          <p:nvPr/>
-        </p:nvSpPr>
-        <p:spPr>
-          <a:xfrm>
-            <a:off x="350800" y="5752133"/>
-            <a:ext cx="3470094" cy="646331"/>
-          </a:xfrm>
-          <a:prstGeom prst="rect">
-            <a:avLst/>
-          </a:prstGeom>
-          <a:noFill/>
-        </p:spPr>
-        <p:txBody>
-          <a:bodyPr wrap="square" rtlCol="0">
-            <a:spAutoFit/>
-          </a:bodyPr>
-          <a:lstStyle/>
-          <a:p>
-            <a:pPr algn="r"/>
-            <a:r>
-              <a:rPr lang="en-US" dirty="0" smtClean="0">
-                <a:latin typeface="Times New Roman" panose="02020603050405020304" pitchFamily="18" charset="0"/>
-                <a:cs typeface="Times New Roman" panose="02020603050405020304" pitchFamily="18" charset="0"/>
-              </a:rPr>
-              <a:t>Phase IV – Post-Result Deliberation &amp; Peer Review</a:t>
-            </a:r>
-            <a:endParaRPr lang="en-US" sz="1400" dirty="0">
-              <a:latin typeface="Times New Roman" panose="02020603050405020304" pitchFamily="18" charset="0"/>
-              <a:cs typeface="Times New Roman" panose="02020603050405020304" pitchFamily="18" charset="0"/>
-            </a:endParaRPr>
-          </a:p>
-        </p:txBody>
-      </p:sp>
-      <p:sp>
-        <p:nvSpPr>
-          <p:cNvPr id="45" name="Rounded Rectangle 44"/>
-          <p:cNvSpPr/>
-          <p:nvPr/>
-        </p:nvSpPr>
-        <p:spPr>
-          <a:xfrm>
-            <a:off x="3810000" y="2105025"/>
-            <a:ext cx="2157557" cy="369332"/>
-          </a:xfrm>
-          <a:prstGeom prst="roundRect">
-            <a:avLst/>
-          </a:prstGeom>
-          <a:solidFill>
-            <a:srgbClr val="A20000"/>
-          </a:solidFill>
-          <a:ln w="19050">
-            <a:solidFill>
-              <a:srgbClr val="A20000"/>
-            </a:solidFill>
-          </a:ln>
-        </p:spPr>
-        <p:style>
-          <a:lnRef idx="2">
-            <a:schemeClr val="accent1">
-              <a:shade val="50000"/>
-            </a:schemeClr>
-          </a:lnRef>
-          <a:fillRef idx="1">
-            <a:schemeClr val="accent1"/>
-          </a:fillRef>
-          <a:effectRef idx="0">
-            <a:schemeClr val="accent1"/>
-          </a:effectRef>
-          <a:fontRef idx="minor">
-            <a:schemeClr val="lt1"/>
-          </a:fontRef>
-        </p:style>
-        <p:txBody>
-          <a:bodyPr rtlCol="0" anchor="ctr"/>
-          <a:lstStyle/>
-          <a:p>
-            <a:pPr algn="ctr"/>
-            <a:endParaRPr lang="en-US"/>
-          </a:p>
-        </p:txBody>
-      </p:sp>
-      <p:sp>
-        <p:nvSpPr>
-          <p:cNvPr id="46" name="Rounded Rectangle 45"/>
-          <p:cNvSpPr/>
-          <p:nvPr/>
-        </p:nvSpPr>
-        <p:spPr>
-          <a:xfrm>
-            <a:off x="5707827" y="2714624"/>
-            <a:ext cx="744416" cy="369332"/>
-          </a:xfrm>
-          <a:prstGeom prst="roundRect">
-            <a:avLst/>
-          </a:prstGeom>
-          <a:solidFill>
-            <a:srgbClr val="A20000"/>
-          </a:solidFill>
-          <a:ln w="19050">
-            <a:solidFill>
-              <a:srgbClr val="A20000"/>
-            </a:solidFill>
-          </a:ln>
-        </p:spPr>
-        <p:style>
-          <a:lnRef idx="2">
-            <a:schemeClr val="accent1">
-              <a:shade val="50000"/>
-            </a:schemeClr>
-          </a:lnRef>
-          <a:fillRef idx="1">
-            <a:schemeClr val="accent1"/>
-          </a:fillRef>
-          <a:effectRef idx="0">
-            <a:schemeClr val="accent1"/>
-          </a:effectRef>
-          <a:fontRef idx="minor">
-            <a:schemeClr val="lt1"/>
-          </a:fontRef>
-        </p:style>
-        <p:txBody>
-          <a:bodyPr rtlCol="0" anchor="ctr"/>
-          <a:lstStyle/>
-          <a:p>
-            <a:pPr algn="ctr"/>
-            <a:endParaRPr lang="en-US"/>
-          </a:p>
-        </p:txBody>
-      </p:sp>
-      <p:sp>
-        <p:nvSpPr>
-          <p:cNvPr id="47" name="Rounded Rectangle 46"/>
-          <p:cNvSpPr/>
-          <p:nvPr/>
-        </p:nvSpPr>
-        <p:spPr>
-          <a:xfrm>
-            <a:off x="6848474" y="3971922"/>
-            <a:ext cx="392685" cy="369332"/>
-          </a:xfrm>
-          <a:prstGeom prst="roundRect">
-            <a:avLst/>
-          </a:prstGeom>
-          <a:solidFill>
-            <a:srgbClr val="A20000"/>
-          </a:solidFill>
-          <a:ln w="19050">
-            <a:solidFill>
-              <a:srgbClr val="A20000"/>
-            </a:solidFill>
-          </a:ln>
-        </p:spPr>
-        <p:style>
-          <a:lnRef idx="2">
-            <a:schemeClr val="accent1">
-              <a:shade val="50000"/>
-            </a:schemeClr>
-          </a:lnRef>
-          <a:fillRef idx="1">
-            <a:schemeClr val="accent1"/>
-          </a:fillRef>
-          <a:effectRef idx="0">
-            <a:schemeClr val="accent1"/>
-          </a:effectRef>
-          <a:fontRef idx="minor">
-            <a:schemeClr val="lt1"/>
-          </a:fontRef>
-        </p:style>
-        <p:txBody>
-          <a:bodyPr rtlCol="0" anchor="ctr"/>
-          <a:lstStyle/>
-          <a:p>
-            <a:pPr algn="ctr"/>
-            <a:endParaRPr lang="en-US"/>
-          </a:p>
-        </p:txBody>
-      </p:sp>
-      <p:sp>
-        <p:nvSpPr>
-          <p:cNvPr id="48" name="Rounded Rectangle 47"/>
-          <p:cNvSpPr/>
-          <p:nvPr/>
-        </p:nvSpPr>
-        <p:spPr>
-          <a:xfrm>
-            <a:off x="7540606" y="4611469"/>
-            <a:ext cx="392685" cy="369332"/>
-          </a:xfrm>
-          <a:prstGeom prst="roundRect">
-            <a:avLst/>
-          </a:prstGeom>
-          <a:solidFill>
-            <a:srgbClr val="A20000"/>
-          </a:solidFill>
-          <a:ln w="19050">
-            <a:solidFill>
-              <a:srgbClr val="A20000"/>
-            </a:solidFill>
-          </a:ln>
-        </p:spPr>
-        <p:style>
-          <a:lnRef idx="2">
-            <a:schemeClr val="accent1">
-              <a:shade val="50000"/>
-            </a:schemeClr>
-          </a:lnRef>
-          <a:fillRef idx="1">
-            <a:schemeClr val="accent1"/>
-          </a:fillRef>
-          <a:effectRef idx="0">
-            <a:schemeClr val="accent1"/>
-          </a:effectRef>
-          <a:fontRef idx="minor">
-            <a:schemeClr val="lt1"/>
-          </a:fontRef>
-        </p:style>
-        <p:txBody>
-          <a:bodyPr rtlCol="0" anchor="ctr"/>
-          <a:lstStyle/>
-          <a:p>
-            <a:pPr algn="ctr"/>
-            <a:endParaRPr lang="en-US"/>
-          </a:p>
-        </p:txBody>
-      </p:sp>
-      <p:sp>
-        <p:nvSpPr>
-          <p:cNvPr id="49" name="Rounded Rectangle 48"/>
-          <p:cNvSpPr/>
-          <p:nvPr/>
-        </p:nvSpPr>
-        <p:spPr>
-          <a:xfrm>
-            <a:off x="8029576" y="5235059"/>
-            <a:ext cx="517446" cy="369332"/>
-          </a:xfrm>
-          <a:prstGeom prst="roundRect">
-            <a:avLst/>
-          </a:prstGeom>
-          <a:solidFill>
-            <a:srgbClr val="A20000"/>
-          </a:solidFill>
-          <a:ln w="19050">
-            <a:solidFill>
-              <a:srgbClr val="A20000"/>
-            </a:solidFill>
-          </a:ln>
-        </p:spPr>
-        <p:style>
-          <a:lnRef idx="2">
-            <a:schemeClr val="accent1">
-              <a:shade val="50000"/>
-            </a:schemeClr>
-          </a:lnRef>
-          <a:fillRef idx="1">
-            <a:schemeClr val="accent1"/>
-          </a:fillRef>
-          <a:effectRef idx="0">
-            <a:schemeClr val="accent1"/>
-          </a:effectRef>
-          <a:fontRef idx="minor">
-            <a:schemeClr val="lt1"/>
-          </a:fontRef>
-        </p:style>
-        <p:txBody>
-          <a:bodyPr rtlCol="0" anchor="ctr"/>
-          <a:lstStyle/>
-          <a:p>
-            <a:pPr algn="ctr"/>
-            <a:endParaRPr lang="en-US"/>
-          </a:p>
-        </p:txBody>
-      </p:sp>
-      <p:sp>
-        <p:nvSpPr>
-          <p:cNvPr id="50" name="Rounded Rectangle 49"/>
-          <p:cNvSpPr/>
-          <p:nvPr/>
-        </p:nvSpPr>
-        <p:spPr>
-          <a:xfrm>
-            <a:off x="8774090" y="5869497"/>
-            <a:ext cx="274660" cy="369332"/>
-          </a:xfrm>
-          <a:prstGeom prst="roundRect">
-            <a:avLst/>
-          </a:prstGeom>
-          <a:solidFill>
-            <a:srgbClr val="A20000"/>
-          </a:solidFill>
-          <a:ln w="19050">
-            <a:solidFill>
-              <a:srgbClr val="A20000"/>
-            </a:solidFill>
-          </a:ln>
-        </p:spPr>
-        <p:style>
-          <a:lnRef idx="2">
-            <a:schemeClr val="accent1">
-              <a:shade val="50000"/>
-            </a:schemeClr>
-          </a:lnRef>
-          <a:fillRef idx="1">
-            <a:schemeClr val="accent1"/>
-          </a:fillRef>
-          <a:effectRef idx="0">
-            <a:schemeClr val="accent1"/>
-          </a:effectRef>
-          <a:fontRef idx="minor">
-            <a:schemeClr val="lt1"/>
-          </a:fontRef>
-        </p:style>
-        <p:txBody>
-          <a:bodyPr rtlCol="0" anchor="ctr"/>
-          <a:lstStyle/>
-          <a:p>
-            <a:pPr algn="ctr"/>
-            <a:endParaRPr lang="en-US"/>
-          </a:p>
-        </p:txBody>
-      </p:sp>
-      <p:sp>
-        <p:nvSpPr>
-          <p:cNvPr id="51" name="Rounded Rectangle 50"/>
-          <p:cNvSpPr/>
-          <p:nvPr/>
-        </p:nvSpPr>
-        <p:spPr>
-          <a:xfrm>
-            <a:off x="7216037" y="4611470"/>
-            <a:ext cx="813539" cy="369332"/>
-          </a:xfrm>
-          <a:prstGeom prst="roundRect">
-            <a:avLst/>
-          </a:prstGeom>
-          <a:noFill/>
-          <a:ln w="19050">
-            <a:solidFill>
-              <a:srgbClr val="A20000"/>
-            </a:solidFill>
-            <a:prstDash val="dash"/>
-          </a:ln>
-        </p:spPr>
-        <p:style>
-          <a:lnRef idx="2">
-            <a:schemeClr val="accent1">
-              <a:shade val="50000"/>
-            </a:schemeClr>
-          </a:lnRef>
-          <a:fillRef idx="1">
-            <a:schemeClr val="accent1"/>
-          </a:fillRef>
-          <a:effectRef idx="0">
-            <a:schemeClr val="accent1"/>
-          </a:effectRef>
-          <a:fontRef idx="minor">
-            <a:schemeClr val="lt1"/>
-          </a:fontRef>
-        </p:style>
-        <p:txBody>
-          <a:bodyPr rtlCol="0" anchor="ctr"/>
-          <a:lstStyle/>
-          <a:p>
-            <a:pPr algn="ctr"/>
-            <a:endParaRPr lang="en-US" dirty="0"/>
-          </a:p>
-        </p:txBody>
-      </p:sp>
-      <p:sp>
-        <p:nvSpPr>
-          <p:cNvPr id="52" name="Rounded Rectangle 51"/>
-          <p:cNvSpPr/>
-          <p:nvPr/>
-        </p:nvSpPr>
-        <p:spPr>
-          <a:xfrm>
-            <a:off x="5501043" y="2105025"/>
-            <a:ext cx="4785684" cy="369332"/>
-          </a:xfrm>
-          <a:prstGeom prst="roundRect">
-            <a:avLst/>
-          </a:prstGeom>
-          <a:noFill/>
-          <a:ln w="19050">
-            <a:solidFill>
-              <a:srgbClr val="A20000"/>
-            </a:solidFill>
-            <a:prstDash val="dash"/>
-          </a:ln>
-        </p:spPr>
-        <p:style>
-          <a:lnRef idx="2">
-            <a:schemeClr val="accent1">
-              <a:shade val="50000"/>
-            </a:schemeClr>
-          </a:lnRef>
-          <a:fillRef idx="1">
-            <a:schemeClr val="accent1"/>
-          </a:fillRef>
-          <a:effectRef idx="0">
-            <a:schemeClr val="accent1"/>
-          </a:effectRef>
-          <a:fontRef idx="minor">
-            <a:schemeClr val="lt1"/>
-          </a:fontRef>
-        </p:style>
-        <p:txBody>
-          <a:bodyPr rtlCol="0" anchor="ctr"/>
-          <a:lstStyle/>
-          <a:p>
-            <a:pPr algn="ctr"/>
-            <a:endParaRPr lang="en-US"/>
-          </a:p>
-        </p:txBody>
-      </p:sp>
-      <p:sp>
-        <p:nvSpPr>
-          <p:cNvPr id="53" name="Rounded Rectangle 52"/>
-          <p:cNvSpPr/>
-          <p:nvPr/>
-        </p:nvSpPr>
-        <p:spPr>
-          <a:xfrm>
-            <a:off x="6273670" y="3352798"/>
-            <a:ext cx="346455" cy="369332"/>
-          </a:xfrm>
-          <a:prstGeom prst="roundRect">
-            <a:avLst/>
-          </a:prstGeom>
-          <a:noFill/>
-          <a:ln w="19050">
-            <a:solidFill>
-              <a:srgbClr val="A20000"/>
-            </a:solidFill>
-            <a:prstDash val="dash"/>
-          </a:ln>
-        </p:spPr>
-        <p:style>
-          <a:lnRef idx="2">
-            <a:schemeClr val="accent1">
-              <a:shade val="50000"/>
-            </a:schemeClr>
-          </a:lnRef>
-          <a:fillRef idx="1">
-            <a:schemeClr val="accent1"/>
-          </a:fillRef>
-          <a:effectRef idx="0">
-            <a:schemeClr val="accent1"/>
-          </a:effectRef>
-          <a:fontRef idx="minor">
-            <a:schemeClr val="lt1"/>
-          </a:fontRef>
-        </p:style>
-        <p:txBody>
-          <a:bodyPr rtlCol="0" anchor="ctr"/>
-          <a:lstStyle/>
-          <a:p>
-            <a:pPr algn="ctr"/>
-            <a:endParaRPr lang="en-US" dirty="0"/>
-          </a:p>
-        </p:txBody>
-      </p:sp>
-      <p:sp>
-        <p:nvSpPr>
-          <p:cNvPr id="55" name="Rounded Rectangle 54"/>
-          <p:cNvSpPr/>
-          <p:nvPr/>
-        </p:nvSpPr>
-        <p:spPr>
-          <a:xfrm>
-            <a:off x="7227163" y="3354553"/>
-            <a:ext cx="346455" cy="369332"/>
-          </a:xfrm>
-          <a:prstGeom prst="roundRect">
-            <a:avLst/>
-          </a:prstGeom>
-          <a:noFill/>
-          <a:ln w="19050">
-            <a:solidFill>
-              <a:srgbClr val="A20000"/>
-            </a:solidFill>
-            <a:prstDash val="dash"/>
-          </a:ln>
-        </p:spPr>
-        <p:style>
-          <a:lnRef idx="2">
-            <a:schemeClr val="accent1">
-              <a:shade val="50000"/>
-            </a:schemeClr>
-          </a:lnRef>
-          <a:fillRef idx="1">
-            <a:schemeClr val="accent1"/>
-          </a:fillRef>
-          <a:effectRef idx="0">
-            <a:schemeClr val="accent1"/>
-          </a:effectRef>
-          <a:fontRef idx="minor">
-            <a:schemeClr val="lt1"/>
-          </a:fontRef>
-        </p:style>
-        <p:txBody>
-          <a:bodyPr rtlCol="0" anchor="ctr"/>
-          <a:lstStyle/>
-          <a:p>
-            <a:pPr algn="ctr"/>
-            <a:endParaRPr lang="en-US" dirty="0"/>
-          </a:p>
-        </p:txBody>
-      </p:sp>
-      <p:sp>
-        <p:nvSpPr>
-          <p:cNvPr id="56" name="Rounded Rectangle 55"/>
-          <p:cNvSpPr/>
-          <p:nvPr/>
-        </p:nvSpPr>
-        <p:spPr>
-          <a:xfrm>
-            <a:off x="8533793" y="3362430"/>
-            <a:ext cx="346455" cy="369332"/>
-          </a:xfrm>
-          <a:prstGeom prst="roundRect">
-            <a:avLst/>
-          </a:prstGeom>
-          <a:noFill/>
-          <a:ln w="19050">
-            <a:solidFill>
-              <a:srgbClr val="A20000"/>
-            </a:solidFill>
-            <a:prstDash val="dash"/>
-          </a:ln>
-        </p:spPr>
-        <p:style>
-          <a:lnRef idx="2">
-            <a:schemeClr val="accent1">
-              <a:shade val="50000"/>
-            </a:schemeClr>
-          </a:lnRef>
-          <a:fillRef idx="1">
-            <a:schemeClr val="accent1"/>
-          </a:fillRef>
-          <a:effectRef idx="0">
-            <a:schemeClr val="accent1"/>
-          </a:effectRef>
-          <a:fontRef idx="minor">
-            <a:schemeClr val="lt1"/>
-          </a:fontRef>
-        </p:style>
-        <p:txBody>
-          <a:bodyPr rtlCol="0" anchor="ctr"/>
-          <a:lstStyle/>
-          <a:p>
-            <a:pPr algn="ctr"/>
-            <a:endParaRPr lang="en-US" dirty="0"/>
-          </a:p>
-        </p:txBody>
-      </p:sp>
-      <p:sp>
-        <p:nvSpPr>
-          <p:cNvPr id="57" name="Rounded Rectangle 56"/>
-          <p:cNvSpPr/>
-          <p:nvPr/>
-        </p:nvSpPr>
-        <p:spPr>
-          <a:xfrm>
-            <a:off x="9564740" y="3362430"/>
-            <a:ext cx="346455" cy="369332"/>
-          </a:xfrm>
-          <a:prstGeom prst="roundRect">
-            <a:avLst/>
-          </a:prstGeom>
-          <a:noFill/>
-          <a:ln w="19050">
-            <a:solidFill>
-              <a:srgbClr val="A20000"/>
-            </a:solidFill>
-            <a:prstDash val="dash"/>
-          </a:ln>
-        </p:spPr>
-        <p:style>
-          <a:lnRef idx="2">
-            <a:schemeClr val="accent1">
-              <a:shade val="50000"/>
-            </a:schemeClr>
-          </a:lnRef>
-          <a:fillRef idx="1">
-            <a:schemeClr val="accent1"/>
-          </a:fillRef>
-          <a:effectRef idx="0">
-            <a:schemeClr val="accent1"/>
-          </a:effectRef>
-          <a:fontRef idx="minor">
-            <a:schemeClr val="lt1"/>
-          </a:fontRef>
-        </p:style>
-        <p:txBody>
-          <a:bodyPr rtlCol="0" anchor="ctr"/>
-          <a:lstStyle/>
-          <a:p>
-            <a:pPr algn="ctr"/>
-            <a:endParaRPr lang="en-US" dirty="0"/>
-          </a:p>
-        </p:txBody>
-      </p:sp>
-      <p:sp>
-        <p:nvSpPr>
-          <p:cNvPr id="58" name="Rounded Rectangle 57"/>
-          <p:cNvSpPr/>
-          <p:nvPr/>
-        </p:nvSpPr>
-        <p:spPr>
-          <a:xfrm>
-            <a:off x="6620125" y="2105024"/>
-            <a:ext cx="277993" cy="369332"/>
-          </a:xfrm>
-          <a:prstGeom prst="roundRect">
-            <a:avLst/>
-          </a:prstGeom>
-          <a:solidFill>
-            <a:srgbClr val="A20000"/>
-          </a:solidFill>
-          <a:ln w="19050">
-            <a:solidFill>
-              <a:srgbClr val="A20000"/>
-            </a:solidFill>
-          </a:ln>
-        </p:spPr>
-        <p:style>
-          <a:lnRef idx="2">
-            <a:schemeClr val="accent1">
-              <a:shade val="50000"/>
-            </a:schemeClr>
-          </a:lnRef>
-          <a:fillRef idx="1">
-            <a:schemeClr val="accent1"/>
-          </a:fillRef>
-          <a:effectRef idx="0">
-            <a:schemeClr val="accent1"/>
-          </a:effectRef>
-          <a:fontRef idx="minor">
-            <a:schemeClr val="lt1"/>
-          </a:fontRef>
-        </p:style>
-        <p:txBody>
-          <a:bodyPr rtlCol="0" anchor="ctr"/>
-          <a:lstStyle/>
-          <a:p>
-            <a:pPr algn="ctr"/>
-            <a:endParaRPr lang="en-US"/>
-          </a:p>
-        </p:txBody>
-      </p:sp>
-      <p:sp>
-        <p:nvSpPr>
-          <p:cNvPr id="59" name="Rounded Rectangle 58"/>
-          <p:cNvSpPr/>
-          <p:nvPr/>
-        </p:nvSpPr>
-        <p:spPr>
-          <a:xfrm>
-            <a:off x="7066733" y="2113181"/>
-            <a:ext cx="195652" cy="369332"/>
-          </a:xfrm>
-          <a:prstGeom prst="roundRect">
-            <a:avLst/>
-          </a:prstGeom>
-          <a:solidFill>
-            <a:srgbClr val="A20000"/>
-          </a:solidFill>
-          <a:ln w="19050">
-            <a:solidFill>
-              <a:srgbClr val="A20000"/>
-            </a:solidFill>
-          </a:ln>
-        </p:spPr>
-        <p:style>
-          <a:lnRef idx="2">
-            <a:schemeClr val="accent1">
-              <a:shade val="50000"/>
-            </a:schemeClr>
-          </a:lnRef>
-          <a:fillRef idx="1">
-            <a:schemeClr val="accent1"/>
-          </a:fillRef>
-          <a:effectRef idx="0">
-            <a:schemeClr val="accent1"/>
-          </a:effectRef>
-          <a:fontRef idx="minor">
-            <a:schemeClr val="lt1"/>
-          </a:fontRef>
-        </p:style>
-        <p:txBody>
-          <a:bodyPr rtlCol="0" anchor="ctr"/>
-          <a:lstStyle/>
-          <a:p>
-            <a:pPr algn="ctr"/>
-            <a:endParaRPr lang="en-US"/>
-          </a:p>
-        </p:txBody>
-      </p:sp>
-      <p:sp>
-        <p:nvSpPr>
-          <p:cNvPr id="60" name="Rounded Rectangle 59"/>
-          <p:cNvSpPr/>
-          <p:nvPr/>
-        </p:nvSpPr>
-        <p:spPr>
-          <a:xfrm>
-            <a:off x="8274505" y="2105024"/>
-            <a:ext cx="277993" cy="369332"/>
-          </a:xfrm>
-          <a:prstGeom prst="roundRect">
-            <a:avLst/>
-          </a:prstGeom>
-          <a:solidFill>
-            <a:srgbClr val="A20000"/>
-          </a:solidFill>
-          <a:ln w="19050">
-            <a:solidFill>
-              <a:srgbClr val="A20000"/>
-            </a:solidFill>
-          </a:ln>
-        </p:spPr>
-        <p:style>
-          <a:lnRef idx="2">
-            <a:schemeClr val="accent1">
-              <a:shade val="50000"/>
-            </a:schemeClr>
-          </a:lnRef>
-          <a:fillRef idx="1">
-            <a:schemeClr val="accent1"/>
-          </a:fillRef>
-          <a:effectRef idx="0">
-            <a:schemeClr val="accent1"/>
-          </a:effectRef>
-          <a:fontRef idx="minor">
-            <a:schemeClr val="lt1"/>
-          </a:fontRef>
-        </p:style>
-        <p:txBody>
-          <a:bodyPr rtlCol="0" anchor="ctr"/>
-          <a:lstStyle/>
-          <a:p>
-            <a:pPr algn="ctr"/>
-            <a:endParaRPr lang="en-US"/>
-          </a:p>
-        </p:txBody>
-      </p:sp>
-      <p:sp>
-        <p:nvSpPr>
-          <p:cNvPr id="61" name="Rounded Rectangle 60"/>
-          <p:cNvSpPr/>
-          <p:nvPr/>
-        </p:nvSpPr>
-        <p:spPr>
-          <a:xfrm>
-            <a:off x="8673326" y="2105024"/>
-            <a:ext cx="143553" cy="369332"/>
-          </a:xfrm>
-          <a:prstGeom prst="roundRect">
-            <a:avLst/>
-          </a:prstGeom>
-          <a:solidFill>
-            <a:srgbClr val="A20000"/>
-          </a:solidFill>
-          <a:ln w="19050">
-            <a:solidFill>
-              <a:srgbClr val="A20000"/>
-            </a:solidFill>
-          </a:ln>
-        </p:spPr>
-        <p:style>
-          <a:lnRef idx="2">
-            <a:schemeClr val="accent1">
-              <a:shade val="50000"/>
-            </a:schemeClr>
-          </a:lnRef>
-          <a:fillRef idx="1">
-            <a:schemeClr val="accent1"/>
-          </a:fillRef>
-          <a:effectRef idx="0">
-            <a:schemeClr val="accent1"/>
-          </a:effectRef>
-          <a:fontRef idx="minor">
-            <a:schemeClr val="lt1"/>
-          </a:fontRef>
-        </p:style>
-        <p:txBody>
-          <a:bodyPr rtlCol="0" anchor="ctr"/>
-          <a:lstStyle/>
-          <a:p>
-            <a:pPr algn="ctr"/>
-            <a:endParaRPr lang="en-US"/>
-          </a:p>
-        </p:txBody>
-      </p:sp>
-      <p:sp>
-        <p:nvSpPr>
-          <p:cNvPr id="62" name="Rounded Rectangle 61"/>
-          <p:cNvSpPr/>
-          <p:nvPr/>
-        </p:nvSpPr>
-        <p:spPr>
-          <a:xfrm>
-            <a:off x="9241944" y="2103477"/>
-            <a:ext cx="143553" cy="369332"/>
-          </a:xfrm>
-          <a:prstGeom prst="roundRect">
-            <a:avLst/>
-          </a:prstGeom>
-          <a:solidFill>
-            <a:srgbClr val="A20000"/>
-          </a:solidFill>
-          <a:ln w="19050">
-            <a:solidFill>
-              <a:srgbClr val="A20000"/>
-            </a:solidFill>
-          </a:ln>
-        </p:spPr>
-        <p:style>
-          <a:lnRef idx="2">
-            <a:schemeClr val="accent1">
-              <a:shade val="50000"/>
-            </a:schemeClr>
-          </a:lnRef>
-          <a:fillRef idx="1">
-            <a:schemeClr val="accent1"/>
-          </a:fillRef>
-          <a:effectRef idx="0">
-            <a:schemeClr val="accent1"/>
-          </a:effectRef>
-          <a:fontRef idx="minor">
-            <a:schemeClr val="lt1"/>
-          </a:fontRef>
-        </p:style>
-        <p:txBody>
-          <a:bodyPr rtlCol="0" anchor="ctr"/>
-          <a:lstStyle/>
-          <a:p>
-            <a:pPr algn="ctr"/>
-            <a:endParaRPr lang="en-US"/>
-          </a:p>
-        </p:txBody>
-      </p:sp>
-      <p:sp>
-        <p:nvSpPr>
-          <p:cNvPr id="63" name="Rounded Rectangle 62"/>
-          <p:cNvSpPr/>
-          <p:nvPr/>
-        </p:nvSpPr>
-        <p:spPr>
-          <a:xfrm>
-            <a:off x="9460033" y="2103477"/>
-            <a:ext cx="143553" cy="369332"/>
-          </a:xfrm>
-          <a:prstGeom prst="roundRect">
-            <a:avLst/>
-          </a:prstGeom>
-          <a:solidFill>
-            <a:srgbClr val="A20000"/>
-          </a:solidFill>
-          <a:ln w="19050">
-            <a:solidFill>
-              <a:srgbClr val="A20000"/>
-            </a:solidFill>
-          </a:ln>
-        </p:spPr>
-        <p:style>
-          <a:lnRef idx="2">
-            <a:schemeClr val="accent1">
-              <a:shade val="50000"/>
-            </a:schemeClr>
-          </a:lnRef>
-          <a:fillRef idx="1">
-            <a:schemeClr val="accent1"/>
-          </a:fillRef>
-          <a:effectRef idx="0">
-            <a:schemeClr val="accent1"/>
-          </a:effectRef>
-          <a:fontRef idx="minor">
-            <a:schemeClr val="lt1"/>
-          </a:fontRef>
-        </p:style>
-        <p:txBody>
-          <a:bodyPr rtlCol="0" anchor="ctr"/>
-          <a:lstStyle/>
-          <a:p>
-            <a:pPr algn="ctr"/>
-            <a:endParaRPr lang="en-US"/>
-          </a:p>
-        </p:txBody>
-      </p:sp>
-      <p:sp>
-        <p:nvSpPr>
-          <p:cNvPr id="75" name="Isosceles Triangle 74"/>
-          <p:cNvSpPr/>
-          <p:nvPr/>
-        </p:nvSpPr>
-        <p:spPr>
-          <a:xfrm>
-            <a:off x="5725098" y="4093714"/>
-            <a:ext cx="114300" cy="113074"/>
-          </a:xfrm>
-          <a:prstGeom prst="triangle">
-            <a:avLst/>
-          </a:prstGeom>
-          <a:solidFill>
-            <a:schemeClr val="bg1">
-              <a:lumMod val="50000"/>
-            </a:schemeClr>
-          </a:solidFill>
-          <a:ln>
-            <a:solidFill>
-              <a:schemeClr val="bg1">
-                <a:lumMod val="50000"/>
-              </a:schemeClr>
-            </a:solidFill>
-          </a:ln>
-        </p:spPr>
-        <p:style>
-          <a:lnRef idx="2">
-            <a:schemeClr val="accent1">
-              <a:shade val="50000"/>
-            </a:schemeClr>
-          </a:lnRef>
-          <a:fillRef idx="1">
-            <a:schemeClr val="accent1"/>
-          </a:fillRef>
-          <a:effectRef idx="0">
-            <a:schemeClr val="accent1"/>
-          </a:effectRef>
-          <a:fontRef idx="minor">
-            <a:schemeClr val="lt1"/>
-          </a:fontRef>
-        </p:style>
-        <p:txBody>
-          <a:bodyPr rtlCol="0" anchor="ctr"/>
-          <a:lstStyle/>
-          <a:p>
-            <a:pPr algn="ctr"/>
-            <a:endParaRPr lang="en-US"/>
-          </a:p>
-        </p:txBody>
-      </p:sp>
-      <p:sp>
-        <p:nvSpPr>
-          <p:cNvPr id="76" name="Isosceles Triangle 75"/>
-          <p:cNvSpPr/>
-          <p:nvPr/>
-        </p:nvSpPr>
-        <p:spPr>
-          <a:xfrm>
-            <a:off x="5497760" y="2951255"/>
-            <a:ext cx="114300" cy="113074"/>
-          </a:xfrm>
-          <a:prstGeom prst="triangle">
-            <a:avLst/>
-          </a:prstGeom>
-          <a:solidFill>
-            <a:schemeClr val="bg1">
-              <a:lumMod val="50000"/>
-            </a:schemeClr>
-          </a:solidFill>
-          <a:ln>
-            <a:solidFill>
-              <a:schemeClr val="bg1">
-                <a:lumMod val="50000"/>
-              </a:schemeClr>
-            </a:solidFill>
-          </a:ln>
-        </p:spPr>
-        <p:style>
-          <a:lnRef idx="2">
-            <a:schemeClr val="accent1">
-              <a:shade val="50000"/>
-            </a:schemeClr>
-          </a:lnRef>
-          <a:fillRef idx="1">
-            <a:schemeClr val="accent1"/>
-          </a:fillRef>
-          <a:effectRef idx="0">
-            <a:schemeClr val="accent1"/>
-          </a:effectRef>
-          <a:fontRef idx="minor">
-            <a:schemeClr val="lt1"/>
-          </a:fontRef>
-        </p:style>
-        <p:txBody>
-          <a:bodyPr rtlCol="0" anchor="ctr"/>
-          <a:lstStyle/>
-          <a:p>
-            <a:pPr algn="ctr"/>
-            <a:endParaRPr lang="en-US"/>
-          </a:p>
-        </p:txBody>
-      </p:sp>
-      <p:sp>
-        <p:nvSpPr>
-          <p:cNvPr id="77" name="Isosceles Triangle 76"/>
-          <p:cNvSpPr/>
-          <p:nvPr/>
-        </p:nvSpPr>
-        <p:spPr>
-          <a:xfrm>
-            <a:off x="9592897" y="6382962"/>
-            <a:ext cx="114300" cy="113074"/>
-          </a:xfrm>
-          <a:prstGeom prst="triangle">
-            <a:avLst/>
-          </a:prstGeom>
-          <a:solidFill>
-            <a:schemeClr val="bg1">
-              <a:lumMod val="50000"/>
-            </a:schemeClr>
-          </a:solidFill>
-          <a:ln>
-            <a:solidFill>
-              <a:schemeClr val="bg1">
-                <a:lumMod val="50000"/>
-              </a:schemeClr>
-            </a:solidFill>
-          </a:ln>
-        </p:spPr>
-        <p:style>
-          <a:lnRef idx="2">
-            <a:schemeClr val="accent1">
-              <a:shade val="50000"/>
-            </a:schemeClr>
-          </a:lnRef>
-          <a:fillRef idx="1">
-            <a:schemeClr val="accent1"/>
-          </a:fillRef>
-          <a:effectRef idx="0">
-            <a:schemeClr val="accent1"/>
-          </a:effectRef>
-          <a:fontRef idx="minor">
-            <a:schemeClr val="lt1"/>
-          </a:fontRef>
-        </p:style>
-        <p:txBody>
-          <a:bodyPr rtlCol="0" anchor="ctr"/>
-          <a:lstStyle/>
-          <a:p>
-            <a:pPr algn="ctr"/>
-            <a:endParaRPr lang="en-US"/>
-          </a:p>
-        </p:txBody>
-      </p:sp>
-      <p:sp>
-        <p:nvSpPr>
-          <p:cNvPr id="78" name="Isosceles Triangle 77"/>
-          <p:cNvSpPr/>
-          <p:nvPr/>
-        </p:nvSpPr>
-        <p:spPr>
-          <a:xfrm>
-            <a:off x="4369432" y="6382962"/>
-            <a:ext cx="114300" cy="113074"/>
-          </a:xfrm>
-          <a:prstGeom prst="triangle">
-            <a:avLst/>
-          </a:prstGeom>
-          <a:solidFill>
-            <a:schemeClr val="bg1">
-              <a:lumMod val="50000"/>
-            </a:schemeClr>
-          </a:solidFill>
-          <a:ln>
-            <a:solidFill>
-              <a:schemeClr val="bg1">
-                <a:lumMod val="50000"/>
-              </a:schemeClr>
-            </a:solidFill>
-          </a:ln>
-        </p:spPr>
-        <p:style>
-          <a:lnRef idx="2">
-            <a:schemeClr val="accent1">
-              <a:shade val="50000"/>
-            </a:schemeClr>
-          </a:lnRef>
-          <a:fillRef idx="1">
-            <a:schemeClr val="accent1"/>
-          </a:fillRef>
-          <a:effectRef idx="0">
-            <a:schemeClr val="accent1"/>
-          </a:effectRef>
-          <a:fontRef idx="minor">
-            <a:schemeClr val="lt1"/>
-          </a:fontRef>
-        </p:style>
-        <p:txBody>
-          <a:bodyPr rtlCol="0" anchor="ctr"/>
-          <a:lstStyle/>
-          <a:p>
-            <a:pPr algn="ctr"/>
-            <a:endParaRPr lang="en-US"/>
-          </a:p>
-        </p:txBody>
-      </p:sp>
-      <p:sp>
-        <p:nvSpPr>
-          <p:cNvPr id="79" name="Isosceles Triangle 78"/>
-          <p:cNvSpPr/>
-          <p:nvPr/>
-        </p:nvSpPr>
-        <p:spPr>
-          <a:xfrm>
-            <a:off x="6822856" y="6382962"/>
-            <a:ext cx="114300" cy="113074"/>
-          </a:xfrm>
-          <a:prstGeom prst="triangle">
-            <a:avLst/>
-          </a:prstGeom>
-          <a:solidFill>
-            <a:schemeClr val="bg1">
-              <a:lumMod val="50000"/>
-            </a:schemeClr>
-          </a:solidFill>
-          <a:ln>
-            <a:solidFill>
-              <a:schemeClr val="bg1">
-                <a:lumMod val="50000"/>
-              </a:schemeClr>
-            </a:solidFill>
-          </a:ln>
-        </p:spPr>
-        <p:style>
-          <a:lnRef idx="2">
-            <a:schemeClr val="accent1">
-              <a:shade val="50000"/>
-            </a:schemeClr>
-          </a:lnRef>
-          <a:fillRef idx="1">
-            <a:schemeClr val="accent1"/>
-          </a:fillRef>
-          <a:effectRef idx="0">
-            <a:schemeClr val="accent1"/>
-          </a:effectRef>
-          <a:fontRef idx="minor">
-            <a:schemeClr val="lt1"/>
-          </a:fontRef>
-        </p:style>
-        <p:txBody>
-          <a:bodyPr rtlCol="0" anchor="ctr"/>
-          <a:lstStyle/>
-          <a:p>
-            <a:pPr algn="ctr"/>
-            <a:endParaRPr lang="en-US"/>
-          </a:p>
-        </p:txBody>
-      </p:sp>
-      <p:sp>
-        <p:nvSpPr>
-          <p:cNvPr id="80" name="TextBox 79"/>
-          <p:cNvSpPr txBox="1"/>
-          <p:nvPr/>
-        </p:nvSpPr>
-        <p:spPr>
-          <a:xfrm>
-            <a:off x="3510366" y="6426550"/>
-            <a:ext cx="1770418" cy="461665"/>
-          </a:xfrm>
-          <a:prstGeom prst="rect">
-            <a:avLst/>
-          </a:prstGeom>
-          <a:noFill/>
-        </p:spPr>
-        <p:txBody>
-          <a:bodyPr wrap="square" rtlCol="0">
-            <a:spAutoFit/>
-          </a:bodyPr>
-          <a:lstStyle/>
-          <a:p>
-            <a:pPr algn="ctr"/>
-            <a:r>
-              <a:rPr lang="en-US" sz="1400" dirty="0" smtClean="0">
-                <a:solidFill>
-                  <a:schemeClr val="bg1">
-                    <a:lumMod val="50000"/>
-                  </a:schemeClr>
-                </a:solidFill>
-                <a:latin typeface="Times New Roman" panose="02020603050405020304" pitchFamily="18" charset="0"/>
-                <a:cs typeface="Times New Roman" panose="02020603050405020304" pitchFamily="18" charset="0"/>
-              </a:rPr>
-              <a:t>OSSC19 Announced</a:t>
-            </a:r>
-          </a:p>
-          <a:p>
-            <a:pPr algn="ctr"/>
-            <a:r>
-              <a:rPr lang="en-US" sz="1000" dirty="0" smtClean="0">
-                <a:solidFill>
-                  <a:schemeClr val="bg1">
-                    <a:lumMod val="50000"/>
-                  </a:schemeClr>
-                </a:solidFill>
-                <a:latin typeface="Times New Roman" panose="02020603050405020304" pitchFamily="18" charset="0"/>
-                <a:cs typeface="Times New Roman" panose="02020603050405020304" pitchFamily="18" charset="0"/>
-              </a:rPr>
-              <a:t>4/5/2018</a:t>
-            </a:r>
-            <a:endParaRPr lang="en-US" sz="1000" dirty="0">
-              <a:solidFill>
-                <a:schemeClr val="bg1">
-                  <a:lumMod val="50000"/>
-                </a:schemeClr>
-              </a:solidFill>
-              <a:latin typeface="Times New Roman" panose="02020603050405020304" pitchFamily="18" charset="0"/>
-              <a:cs typeface="Times New Roman" panose="02020603050405020304" pitchFamily="18" charset="0"/>
-            </a:endParaRPr>
-          </a:p>
-        </p:txBody>
-      </p:sp>
-      <p:sp>
-        <p:nvSpPr>
-          <p:cNvPr id="81" name="TextBox 80"/>
-          <p:cNvSpPr txBox="1"/>
-          <p:nvPr/>
-        </p:nvSpPr>
-        <p:spPr>
-          <a:xfrm>
-            <a:off x="5983088" y="6422355"/>
-            <a:ext cx="1770418" cy="461665"/>
-          </a:xfrm>
-          <a:prstGeom prst="rect">
-            <a:avLst/>
-          </a:prstGeom>
-          <a:noFill/>
-        </p:spPr>
-        <p:txBody>
-          <a:bodyPr wrap="square" rtlCol="0">
-            <a:spAutoFit/>
-          </a:bodyPr>
-          <a:lstStyle/>
-          <a:p>
-            <a:pPr algn="ctr"/>
-            <a:r>
-              <a:rPr lang="en-US" sz="1400" dirty="0" smtClean="0">
-                <a:solidFill>
-                  <a:schemeClr val="bg1">
-                    <a:lumMod val="50000"/>
-                  </a:schemeClr>
-                </a:solidFill>
-                <a:latin typeface="Times New Roman" panose="02020603050405020304" pitchFamily="18" charset="0"/>
-                <a:cs typeface="Times New Roman" panose="02020603050405020304" pitchFamily="18" charset="0"/>
-              </a:rPr>
-              <a:t>Pre-analysis Plan</a:t>
-            </a:r>
-          </a:p>
-          <a:p>
-            <a:pPr algn="ctr"/>
-            <a:r>
-              <a:rPr lang="en-US" sz="1000" dirty="0" smtClean="0">
-                <a:solidFill>
-                  <a:schemeClr val="bg1">
-                    <a:lumMod val="50000"/>
-                  </a:schemeClr>
-                </a:solidFill>
-                <a:latin typeface="Times New Roman" panose="02020603050405020304" pitchFamily="18" charset="0"/>
-                <a:cs typeface="Times New Roman" panose="02020603050405020304" pitchFamily="18" charset="0"/>
-              </a:rPr>
-              <a:t>8/22/2018</a:t>
-            </a:r>
-            <a:endParaRPr lang="en-US" sz="1000" dirty="0">
-              <a:solidFill>
-                <a:schemeClr val="bg1">
-                  <a:lumMod val="50000"/>
-                </a:schemeClr>
-              </a:solidFill>
-              <a:latin typeface="Times New Roman" panose="02020603050405020304" pitchFamily="18" charset="0"/>
-              <a:cs typeface="Times New Roman" panose="02020603050405020304" pitchFamily="18" charset="0"/>
-            </a:endParaRPr>
-          </a:p>
-        </p:txBody>
-      </p:sp>
-      <p:sp>
-        <p:nvSpPr>
-          <p:cNvPr id="82" name="TextBox 81"/>
-          <p:cNvSpPr txBox="1"/>
-          <p:nvPr/>
-        </p:nvSpPr>
-        <p:spPr>
-          <a:xfrm>
-            <a:off x="8906893" y="6474875"/>
-            <a:ext cx="1466317" cy="461665"/>
-          </a:xfrm>
-          <a:prstGeom prst="rect">
-            <a:avLst/>
-          </a:prstGeom>
-          <a:noFill/>
-        </p:spPr>
-        <p:txBody>
-          <a:bodyPr wrap="square" rtlCol="0">
-            <a:spAutoFit/>
-          </a:bodyPr>
-          <a:lstStyle/>
-          <a:p>
-            <a:pPr algn="ctr"/>
-            <a:r>
-              <a:rPr lang="en-US" sz="1400" dirty="0" smtClean="0">
-                <a:solidFill>
-                  <a:schemeClr val="bg1">
-                    <a:lumMod val="50000"/>
-                  </a:schemeClr>
-                </a:solidFill>
-                <a:latin typeface="Times New Roman" panose="02020603050405020304" pitchFamily="18" charset="0"/>
-                <a:cs typeface="Times New Roman" panose="02020603050405020304" pitchFamily="18" charset="0"/>
-              </a:rPr>
-              <a:t>OSSC19</a:t>
-            </a:r>
-          </a:p>
-          <a:p>
-            <a:pPr algn="ctr"/>
-            <a:r>
-              <a:rPr lang="en-US" sz="1000" dirty="0" smtClean="0">
-                <a:solidFill>
-                  <a:schemeClr val="bg1">
-                    <a:lumMod val="50000"/>
-                  </a:schemeClr>
-                </a:solidFill>
-                <a:latin typeface="Times New Roman" panose="02020603050405020304" pitchFamily="18" charset="0"/>
-                <a:cs typeface="Times New Roman" panose="02020603050405020304" pitchFamily="18" charset="0"/>
-              </a:rPr>
-              <a:t>1/25/2019</a:t>
-            </a:r>
-            <a:endParaRPr lang="en-US" sz="1000" dirty="0">
-              <a:solidFill>
-                <a:schemeClr val="bg1">
-                  <a:lumMod val="50000"/>
-                </a:schemeClr>
-              </a:solidFill>
-              <a:latin typeface="Times New Roman" panose="02020603050405020304" pitchFamily="18" charset="0"/>
-              <a:cs typeface="Times New Roman" panose="02020603050405020304" pitchFamily="18" charset="0"/>
-            </a:endParaRPr>
-          </a:p>
-        </p:txBody>
-      </p:sp>
-      <p:sp>
-        <p:nvSpPr>
-          <p:cNvPr id="83" name="TextBox 82"/>
-          <p:cNvSpPr txBox="1"/>
-          <p:nvPr/>
-        </p:nvSpPr>
-        <p:spPr>
-          <a:xfrm>
-            <a:off x="4843185" y="3125043"/>
-            <a:ext cx="1466317" cy="246221"/>
-          </a:xfrm>
-          <a:prstGeom prst="rect">
-            <a:avLst/>
-          </a:prstGeom>
-          <a:noFill/>
-        </p:spPr>
-        <p:txBody>
-          <a:bodyPr wrap="square" rtlCol="0">
-            <a:spAutoFit/>
-          </a:bodyPr>
-          <a:lstStyle/>
-          <a:p>
-            <a:pPr algn="ctr"/>
-            <a:r>
-              <a:rPr lang="en-US" sz="1000" dirty="0" smtClean="0">
-                <a:solidFill>
-                  <a:schemeClr val="bg1">
-                    <a:lumMod val="50000"/>
-                  </a:schemeClr>
-                </a:solidFill>
-                <a:latin typeface="Times New Roman" panose="02020603050405020304" pitchFamily="18" charset="0"/>
-                <a:cs typeface="Times New Roman" panose="02020603050405020304" pitchFamily="18" charset="0"/>
-              </a:rPr>
-              <a:t>Power Analyses</a:t>
-            </a:r>
-            <a:endParaRPr lang="en-US" sz="1000" dirty="0">
-              <a:solidFill>
-                <a:schemeClr val="bg1">
-                  <a:lumMod val="50000"/>
-                </a:schemeClr>
-              </a:solidFill>
-              <a:latin typeface="Times New Roman" panose="02020603050405020304" pitchFamily="18" charset="0"/>
-              <a:cs typeface="Times New Roman" panose="02020603050405020304" pitchFamily="18" charset="0"/>
-            </a:endParaRPr>
-          </a:p>
-        </p:txBody>
-      </p:sp>
-      <p:sp>
-        <p:nvSpPr>
-          <p:cNvPr id="84" name="TextBox 83"/>
-          <p:cNvSpPr txBox="1"/>
-          <p:nvPr/>
-        </p:nvSpPr>
-        <p:spPr>
-          <a:xfrm>
-            <a:off x="3809999" y="1752643"/>
-            <a:ext cx="548217" cy="276999"/>
-          </a:xfrm>
-          <a:prstGeom prst="rect">
-            <a:avLst/>
-          </a:prstGeom>
-          <a:noFill/>
-        </p:spPr>
-        <p:txBody>
-          <a:bodyPr wrap="square" rtlCol="0">
-            <a:spAutoFit/>
-          </a:bodyPr>
-          <a:lstStyle/>
-          <a:p>
-            <a:pPr algn="ctr"/>
-            <a:r>
-              <a:rPr lang="en-US" sz="1200" dirty="0" smtClean="0">
-                <a:solidFill>
-                  <a:schemeClr val="bg1">
-                    <a:lumMod val="50000"/>
-                  </a:schemeClr>
-                </a:solidFill>
-                <a:latin typeface="Times New Roman" panose="02020603050405020304" pitchFamily="18" charset="0"/>
-                <a:cs typeface="Times New Roman" panose="02020603050405020304" pitchFamily="18" charset="0"/>
-              </a:rPr>
-              <a:t>Mar</a:t>
-            </a:r>
-          </a:p>
-        </p:txBody>
-      </p:sp>
-      <p:sp>
-        <p:nvSpPr>
-          <p:cNvPr id="85" name="TextBox 84"/>
-          <p:cNvSpPr txBox="1"/>
-          <p:nvPr/>
-        </p:nvSpPr>
-        <p:spPr>
-          <a:xfrm>
-            <a:off x="4357557" y="1752615"/>
-            <a:ext cx="548217" cy="276999"/>
-          </a:xfrm>
-          <a:prstGeom prst="rect">
-            <a:avLst/>
-          </a:prstGeom>
-          <a:noFill/>
-        </p:spPr>
-        <p:txBody>
-          <a:bodyPr wrap="square" rtlCol="0">
-            <a:spAutoFit/>
-          </a:bodyPr>
-          <a:lstStyle/>
-          <a:p>
-            <a:pPr algn="ctr"/>
-            <a:r>
-              <a:rPr lang="en-US" sz="1200" dirty="0" smtClean="0">
-                <a:solidFill>
-                  <a:schemeClr val="bg1">
-                    <a:lumMod val="50000"/>
-                  </a:schemeClr>
-                </a:solidFill>
-                <a:latin typeface="Times New Roman" panose="02020603050405020304" pitchFamily="18" charset="0"/>
-                <a:cs typeface="Times New Roman" panose="02020603050405020304" pitchFamily="18" charset="0"/>
-              </a:rPr>
-              <a:t>Mar</a:t>
-            </a:r>
-          </a:p>
-        </p:txBody>
-      </p:sp>
-      <p:sp>
-        <p:nvSpPr>
-          <p:cNvPr id="86" name="TextBox 85"/>
-          <p:cNvSpPr txBox="1"/>
-          <p:nvPr/>
-        </p:nvSpPr>
-        <p:spPr>
-          <a:xfrm>
-            <a:off x="4890133" y="1748681"/>
-            <a:ext cx="548217" cy="276999"/>
-          </a:xfrm>
-          <a:prstGeom prst="rect">
-            <a:avLst/>
-          </a:prstGeom>
-          <a:noFill/>
-        </p:spPr>
-        <p:txBody>
-          <a:bodyPr wrap="square" rtlCol="0">
-            <a:spAutoFit/>
-          </a:bodyPr>
-          <a:lstStyle/>
-          <a:p>
-            <a:pPr algn="ctr"/>
-            <a:r>
-              <a:rPr lang="en-US" sz="1200" dirty="0" smtClean="0">
-                <a:solidFill>
-                  <a:schemeClr val="bg1">
-                    <a:lumMod val="50000"/>
-                  </a:schemeClr>
-                </a:solidFill>
-                <a:latin typeface="Times New Roman" panose="02020603050405020304" pitchFamily="18" charset="0"/>
-                <a:cs typeface="Times New Roman" panose="02020603050405020304" pitchFamily="18" charset="0"/>
-              </a:rPr>
-              <a:t>Mar</a:t>
-            </a:r>
-          </a:p>
-        </p:txBody>
-      </p:sp>
-      <p:sp>
-        <p:nvSpPr>
-          <p:cNvPr id="87" name="TextBox 86"/>
-          <p:cNvSpPr txBox="1"/>
-          <p:nvPr/>
-        </p:nvSpPr>
-        <p:spPr>
-          <a:xfrm>
-            <a:off x="5431577" y="1753897"/>
-            <a:ext cx="548217" cy="276999"/>
-          </a:xfrm>
-          <a:prstGeom prst="rect">
-            <a:avLst/>
-          </a:prstGeom>
-          <a:noFill/>
-        </p:spPr>
-        <p:txBody>
-          <a:bodyPr wrap="square" rtlCol="0">
-            <a:spAutoFit/>
-          </a:bodyPr>
-          <a:lstStyle/>
-          <a:p>
-            <a:pPr algn="ctr"/>
-            <a:r>
-              <a:rPr lang="en-US" sz="1200" dirty="0" smtClean="0">
-                <a:solidFill>
-                  <a:schemeClr val="bg1">
-                    <a:lumMod val="50000"/>
-                  </a:schemeClr>
-                </a:solidFill>
-                <a:latin typeface="Times New Roman" panose="02020603050405020304" pitchFamily="18" charset="0"/>
-                <a:cs typeface="Times New Roman" panose="02020603050405020304" pitchFamily="18" charset="0"/>
-              </a:rPr>
-              <a:t>Mar</a:t>
-            </a:r>
-          </a:p>
-        </p:txBody>
-      </p:sp>
-      <p:sp>
-        <p:nvSpPr>
-          <p:cNvPr id="88" name="TextBox 87"/>
-          <p:cNvSpPr txBox="1"/>
-          <p:nvPr/>
-        </p:nvSpPr>
-        <p:spPr>
-          <a:xfrm>
-            <a:off x="5955323" y="1752615"/>
-            <a:ext cx="548217" cy="276999"/>
-          </a:xfrm>
-          <a:prstGeom prst="rect">
-            <a:avLst/>
-          </a:prstGeom>
-          <a:noFill/>
-        </p:spPr>
-        <p:txBody>
-          <a:bodyPr wrap="square" rtlCol="0">
-            <a:spAutoFit/>
-          </a:bodyPr>
-          <a:lstStyle/>
-          <a:p>
-            <a:pPr algn="ctr"/>
-            <a:r>
-              <a:rPr lang="en-US" sz="1200" dirty="0" smtClean="0">
-                <a:solidFill>
-                  <a:schemeClr val="bg1">
-                    <a:lumMod val="50000"/>
-                  </a:schemeClr>
-                </a:solidFill>
-                <a:latin typeface="Times New Roman" panose="02020603050405020304" pitchFamily="18" charset="0"/>
-                <a:cs typeface="Times New Roman" panose="02020603050405020304" pitchFamily="18" charset="0"/>
-              </a:rPr>
-              <a:t>Mar</a:t>
-            </a:r>
-          </a:p>
-        </p:txBody>
-      </p:sp>
-      <p:sp>
-        <p:nvSpPr>
-          <p:cNvPr id="89" name="TextBox 88"/>
-          <p:cNvSpPr txBox="1"/>
-          <p:nvPr/>
-        </p:nvSpPr>
-        <p:spPr>
-          <a:xfrm>
-            <a:off x="6518393" y="1750955"/>
-            <a:ext cx="548217" cy="276999"/>
-          </a:xfrm>
-          <a:prstGeom prst="rect">
-            <a:avLst/>
-          </a:prstGeom>
-          <a:noFill/>
-        </p:spPr>
-        <p:txBody>
-          <a:bodyPr wrap="square" rtlCol="0">
-            <a:spAutoFit/>
-          </a:bodyPr>
-          <a:lstStyle/>
-          <a:p>
-            <a:pPr algn="ctr"/>
-            <a:r>
-              <a:rPr lang="en-US" sz="1200" dirty="0" smtClean="0">
-                <a:solidFill>
-                  <a:schemeClr val="bg1">
-                    <a:lumMod val="50000"/>
-                  </a:schemeClr>
-                </a:solidFill>
-                <a:latin typeface="Times New Roman" panose="02020603050405020304" pitchFamily="18" charset="0"/>
-                <a:cs typeface="Times New Roman" panose="02020603050405020304" pitchFamily="18" charset="0"/>
-              </a:rPr>
-              <a:t>Mar</a:t>
-            </a:r>
-          </a:p>
-        </p:txBody>
-      </p:sp>
-      <p:sp>
-        <p:nvSpPr>
-          <p:cNvPr id="90" name="TextBox 89"/>
-          <p:cNvSpPr txBox="1"/>
-          <p:nvPr/>
-        </p:nvSpPr>
-        <p:spPr>
-          <a:xfrm>
-            <a:off x="7057006" y="1748680"/>
-            <a:ext cx="548217" cy="276999"/>
-          </a:xfrm>
-          <a:prstGeom prst="rect">
-            <a:avLst/>
-          </a:prstGeom>
-          <a:noFill/>
-        </p:spPr>
-        <p:txBody>
-          <a:bodyPr wrap="square" rtlCol="0">
-            <a:spAutoFit/>
-          </a:bodyPr>
-          <a:lstStyle/>
-          <a:p>
-            <a:pPr algn="ctr"/>
-            <a:r>
-              <a:rPr lang="en-US" sz="1200" dirty="0" smtClean="0">
-                <a:solidFill>
-                  <a:schemeClr val="bg1">
-                    <a:lumMod val="50000"/>
-                  </a:schemeClr>
-                </a:solidFill>
-                <a:latin typeface="Times New Roman" panose="02020603050405020304" pitchFamily="18" charset="0"/>
-                <a:cs typeface="Times New Roman" panose="02020603050405020304" pitchFamily="18" charset="0"/>
-              </a:rPr>
-              <a:t>Mar</a:t>
-            </a:r>
-          </a:p>
-        </p:txBody>
-      </p:sp>
-      <p:sp>
-        <p:nvSpPr>
-          <p:cNvPr id="91" name="TextBox 90"/>
-          <p:cNvSpPr txBox="1"/>
-          <p:nvPr/>
-        </p:nvSpPr>
-        <p:spPr>
-          <a:xfrm>
-            <a:off x="7581793" y="1756301"/>
-            <a:ext cx="548217" cy="276999"/>
-          </a:xfrm>
-          <a:prstGeom prst="rect">
-            <a:avLst/>
-          </a:prstGeom>
-          <a:noFill/>
-        </p:spPr>
-        <p:txBody>
-          <a:bodyPr wrap="square" rtlCol="0">
-            <a:spAutoFit/>
-          </a:bodyPr>
-          <a:lstStyle/>
-          <a:p>
-            <a:pPr algn="ctr"/>
-            <a:r>
-              <a:rPr lang="en-US" sz="1200" dirty="0" smtClean="0">
-                <a:solidFill>
-                  <a:schemeClr val="bg1">
-                    <a:lumMod val="50000"/>
-                  </a:schemeClr>
-                </a:solidFill>
-                <a:latin typeface="Times New Roman" panose="02020603050405020304" pitchFamily="18" charset="0"/>
-                <a:cs typeface="Times New Roman" panose="02020603050405020304" pitchFamily="18" charset="0"/>
-              </a:rPr>
-              <a:t>Mar</a:t>
-            </a:r>
-          </a:p>
-        </p:txBody>
-      </p:sp>
-      <p:sp>
-        <p:nvSpPr>
-          <p:cNvPr id="92" name="TextBox 91"/>
-          <p:cNvSpPr txBox="1"/>
-          <p:nvPr/>
-        </p:nvSpPr>
-        <p:spPr>
-          <a:xfrm>
-            <a:off x="8128992" y="1747789"/>
-            <a:ext cx="548217" cy="276999"/>
-          </a:xfrm>
-          <a:prstGeom prst="rect">
-            <a:avLst/>
-          </a:prstGeom>
-          <a:noFill/>
-        </p:spPr>
-        <p:txBody>
-          <a:bodyPr wrap="square" rtlCol="0">
-            <a:spAutoFit/>
-          </a:bodyPr>
-          <a:lstStyle/>
-          <a:p>
-            <a:pPr algn="ctr"/>
-            <a:r>
-              <a:rPr lang="en-US" sz="1200" dirty="0" smtClean="0">
-                <a:solidFill>
-                  <a:schemeClr val="bg1">
-                    <a:lumMod val="50000"/>
-                  </a:schemeClr>
-                </a:solidFill>
-                <a:latin typeface="Times New Roman" panose="02020603050405020304" pitchFamily="18" charset="0"/>
-                <a:cs typeface="Times New Roman" panose="02020603050405020304" pitchFamily="18" charset="0"/>
-              </a:rPr>
-              <a:t>Mar</a:t>
-            </a:r>
-          </a:p>
-        </p:txBody>
-      </p:sp>
-      <p:sp>
-        <p:nvSpPr>
-          <p:cNvPr id="93" name="TextBox 92"/>
-          <p:cNvSpPr txBox="1"/>
-          <p:nvPr/>
-        </p:nvSpPr>
-        <p:spPr>
-          <a:xfrm>
-            <a:off x="8660904" y="1746887"/>
-            <a:ext cx="548217" cy="276999"/>
-          </a:xfrm>
-          <a:prstGeom prst="rect">
-            <a:avLst/>
-          </a:prstGeom>
-          <a:noFill/>
-        </p:spPr>
-        <p:txBody>
-          <a:bodyPr wrap="square" rtlCol="0">
-            <a:spAutoFit/>
-          </a:bodyPr>
-          <a:lstStyle/>
-          <a:p>
-            <a:pPr algn="ctr"/>
-            <a:r>
-              <a:rPr lang="en-US" sz="1200" dirty="0" smtClean="0">
-                <a:solidFill>
-                  <a:schemeClr val="bg1">
-                    <a:lumMod val="50000"/>
-                  </a:schemeClr>
-                </a:solidFill>
-                <a:latin typeface="Times New Roman" panose="02020603050405020304" pitchFamily="18" charset="0"/>
-                <a:cs typeface="Times New Roman" panose="02020603050405020304" pitchFamily="18" charset="0"/>
-              </a:rPr>
-              <a:t>Mar</a:t>
-            </a:r>
-          </a:p>
-        </p:txBody>
-      </p:sp>
-      <p:sp>
-        <p:nvSpPr>
-          <p:cNvPr id="94" name="TextBox 93"/>
-          <p:cNvSpPr txBox="1"/>
-          <p:nvPr/>
-        </p:nvSpPr>
-        <p:spPr>
-          <a:xfrm>
-            <a:off x="9215845" y="1745365"/>
-            <a:ext cx="548217" cy="276999"/>
-          </a:xfrm>
-          <a:prstGeom prst="rect">
-            <a:avLst/>
-          </a:prstGeom>
-          <a:noFill/>
-        </p:spPr>
-        <p:txBody>
-          <a:bodyPr wrap="square" rtlCol="0">
-            <a:spAutoFit/>
-          </a:bodyPr>
-          <a:lstStyle/>
-          <a:p>
-            <a:pPr algn="ctr"/>
-            <a:r>
-              <a:rPr lang="en-US" sz="1200" dirty="0" smtClean="0">
-                <a:solidFill>
-                  <a:schemeClr val="bg1">
-                    <a:lumMod val="50000"/>
-                  </a:schemeClr>
-                </a:solidFill>
-                <a:latin typeface="Times New Roman" panose="02020603050405020304" pitchFamily="18" charset="0"/>
-                <a:cs typeface="Times New Roman" panose="02020603050405020304" pitchFamily="18" charset="0"/>
-              </a:rPr>
-              <a:t>Mar</a:t>
-            </a:r>
-          </a:p>
-        </p:txBody>
-      </p:sp>
-      <p:sp>
-        <p:nvSpPr>
-          <p:cNvPr id="95" name="TextBox 94"/>
-          <p:cNvSpPr txBox="1"/>
-          <p:nvPr/>
-        </p:nvSpPr>
-        <p:spPr>
-          <a:xfrm>
-            <a:off x="9738516" y="1734317"/>
-            <a:ext cx="548217" cy="276999"/>
-          </a:xfrm>
-          <a:prstGeom prst="rect">
-            <a:avLst/>
-          </a:prstGeom>
-          <a:noFill/>
-        </p:spPr>
-        <p:txBody>
-          <a:bodyPr wrap="square" rtlCol="0">
-            <a:spAutoFit/>
-          </a:bodyPr>
-          <a:lstStyle/>
-          <a:p>
-            <a:pPr algn="ctr"/>
-            <a:r>
-              <a:rPr lang="en-US" sz="1200" dirty="0" smtClean="0">
-                <a:solidFill>
-                  <a:schemeClr val="bg1">
-                    <a:lumMod val="50000"/>
-                  </a:schemeClr>
-                </a:solidFill>
-                <a:latin typeface="Times New Roman" panose="02020603050405020304" pitchFamily="18" charset="0"/>
-                <a:cs typeface="Times New Roman" panose="02020603050405020304" pitchFamily="18" charset="0"/>
-              </a:rPr>
-              <a:t>Mar</a:t>
-            </a:r>
-          </a:p>
-        </p:txBody>
-      </p:sp>
-      <p:sp>
-        <p:nvSpPr>
-          <p:cNvPr id="96" name="TextBox 95"/>
-          <p:cNvSpPr txBox="1"/>
-          <p:nvPr/>
-        </p:nvSpPr>
-        <p:spPr>
-          <a:xfrm>
-            <a:off x="9480312" y="1547609"/>
-            <a:ext cx="548217" cy="276999"/>
-          </a:xfrm>
-          <a:prstGeom prst="rect">
-            <a:avLst/>
-          </a:prstGeom>
-          <a:noFill/>
-        </p:spPr>
-        <p:txBody>
-          <a:bodyPr wrap="square" rtlCol="0">
-            <a:spAutoFit/>
-          </a:bodyPr>
-          <a:lstStyle/>
-          <a:p>
-            <a:pPr algn="ctr"/>
-            <a:r>
-              <a:rPr lang="en-US" sz="1200" dirty="0" smtClean="0">
-                <a:solidFill>
-                  <a:schemeClr val="bg1">
-                    <a:lumMod val="50000"/>
-                  </a:schemeClr>
-                </a:solidFill>
-                <a:latin typeface="Times New Roman" panose="02020603050405020304" pitchFamily="18" charset="0"/>
-                <a:cs typeface="Times New Roman" panose="02020603050405020304" pitchFamily="18" charset="0"/>
-              </a:rPr>
-              <a:t>2019</a:t>
-            </a:r>
-          </a:p>
-        </p:txBody>
-      </p:sp>
-      <p:sp>
-        <p:nvSpPr>
-          <p:cNvPr id="97" name="TextBox 96"/>
-          <p:cNvSpPr txBox="1"/>
-          <p:nvPr/>
-        </p:nvSpPr>
-        <p:spPr>
-          <a:xfrm>
-            <a:off x="6260226" y="1561221"/>
-            <a:ext cx="548217" cy="276999"/>
-          </a:xfrm>
-          <a:prstGeom prst="rect">
-            <a:avLst/>
-          </a:prstGeom>
-          <a:noFill/>
-        </p:spPr>
-        <p:txBody>
-          <a:bodyPr wrap="square" rtlCol="0">
-            <a:spAutoFit/>
-          </a:bodyPr>
-          <a:lstStyle/>
-          <a:p>
-            <a:pPr algn="ctr"/>
-            <a:r>
-              <a:rPr lang="en-US" sz="1200" dirty="0" smtClean="0">
-                <a:solidFill>
-                  <a:schemeClr val="bg1">
-                    <a:lumMod val="50000"/>
-                  </a:schemeClr>
-                </a:solidFill>
-                <a:latin typeface="Times New Roman" panose="02020603050405020304" pitchFamily="18" charset="0"/>
-                <a:cs typeface="Times New Roman" panose="02020603050405020304" pitchFamily="18" charset="0"/>
-              </a:rPr>
-              <a:t>2018</a:t>
-            </a:r>
-          </a:p>
-        </p:txBody>
-      </p:sp>
-      <p:cxnSp>
-        <p:nvCxnSpPr>
-          <p:cNvPr id="99" name="Elbow Connector 98"/>
-          <p:cNvCxnSpPr>
-            <a:stCxn id="47" idx="3"/>
-            <a:endCxn id="51" idx="1"/>
-          </p:cNvCxnSpPr>
-          <p:nvPr/>
-        </p:nvCxnSpPr>
-        <p:spPr>
-          <a:xfrm flipH="1">
-            <a:off x="7216037" y="4156588"/>
-            <a:ext cx="25122" cy="639548"/>
-          </a:xfrm>
-          <a:prstGeom prst="bentConnector5">
-            <a:avLst>
-              <a:gd name="adj1" fmla="val -416424"/>
-              <a:gd name="adj2" fmla="val 50000"/>
-              <a:gd name="adj3" fmla="val 516420"/>
-            </a:avLst>
-          </a:prstGeom>
-        </p:spPr>
-        <p:style>
-          <a:lnRef idx="1">
-            <a:schemeClr val="accent1"/>
-          </a:lnRef>
-          <a:fillRef idx="0">
-            <a:schemeClr val="accent1"/>
-          </a:fillRef>
-          <a:effectRef idx="0">
-            <a:schemeClr val="accent1"/>
-          </a:effectRef>
-          <a:fontRef idx="minor">
-            <a:schemeClr val="tx1"/>
-          </a:fontRef>
-        </p:style>
-      </p:cxnSp>
-    </p:spTree>
-    <p:extLst>
-      <p:ext uri="{BB962C8B-B14F-4D97-AF65-F5344CB8AC3E}">
-        <p14:creationId xmlns:p14="http://schemas.microsoft.com/office/powerpoint/2010/main" val="2075276303"/>
-      </p:ext>
-    </p:extLst>
-  </p:cSld>
-  <p:clrMapOvr>
-    <a:masterClrMapping/>
-  </p:clrMapOvr>
-</p:sld>
-</file>
-
-<file path=ppt/slides/slide2.xml><?xml version="1.0" encoding="utf-8"?>
-<p:sld xmlns:a="http://schemas.openxmlformats.org/drawingml/2006/main" xmlns:r="http://schemas.openxmlformats.org/officeDocument/2006/relationships" xmlns:p="http://schemas.openxmlformats.org/presentationml/2006/main">
-  <p:cSld>
-    <p:spTree>
-      <p:nvGrpSpPr>
-        <p:cNvPr id="1" name=""/>
-        <p:cNvGrpSpPr/>
-        <p:nvPr/>
-      </p:nvGrpSpPr>
-      <p:grpSpPr>
-        <a:xfrm>
-          <a:off x="0" y="0"/>
-          <a:ext cx="0" cy="0"/>
-          <a:chOff x="0" y="0"/>
-          <a:chExt cx="0" cy="0"/>
-        </a:xfrm>
-      </p:grpSpPr>
       <p:sp>
         <p:nvSpPr>
           <p:cNvPr id="122" name="Rounded Rectangle 121"/>
@@ -10360,7 +7274,7 @@
 </p:sld>
 </file>
 
-<file path=ppt/slides/slide3.xml><?xml version="1.0" encoding="utf-8"?>
+<file path=ppt/slides/slide2.xml><?xml version="1.0" encoding="utf-8"?>
 <p:sld xmlns:a="http://schemas.openxmlformats.org/drawingml/2006/main" xmlns:r="http://schemas.openxmlformats.org/officeDocument/2006/relationships" xmlns:p="http://schemas.openxmlformats.org/presentationml/2006/main">
   <p:cSld>
     <p:spTree>
@@ -12508,7 +9422,7 @@
 </p:sld>
 </file>
 
-<file path=ppt/slides/slide4.xml><?xml version="1.0" encoding="utf-8"?>
+<file path=ppt/slides/slide3.xml><?xml version="1.0" encoding="utf-8"?>
 <p:sld xmlns:a="http://schemas.openxmlformats.org/drawingml/2006/main" xmlns:r="http://schemas.openxmlformats.org/officeDocument/2006/relationships" xmlns:p="http://schemas.openxmlformats.org/presentationml/2006/main">
   <p:cSld>
     <p:spTree>
@@ -16990,7 +13904,7 @@
 </p:sld>
 </file>
 
-<file path=ppt/slides/slide5.xml><?xml version="1.0" encoding="utf-8"?>
+<file path=ppt/slides/slide4.xml><?xml version="1.0" encoding="utf-8"?>
 <p:sld xmlns:a="http://schemas.openxmlformats.org/drawingml/2006/main" xmlns:r="http://schemas.openxmlformats.org/officeDocument/2006/relationships" xmlns:p="http://schemas.openxmlformats.org/presentationml/2006/main">
   <p:cSld>
     <p:spTree>
